--- a/20240402 NF Update - Fig 5.pptx
+++ b/20240402 NF Update - Fig 5.pptx
@@ -107,6 +107,11 @@
       </a:defRPr>
     </a:lvl9pPr>
   </p:defaultTextStyle>
+  <p:extLst>
+    <p:ext uri="{EFAFB233-063F-42B5-8137-9DF3F51BA10A}">
+      <p15:sldGuideLst xmlns:p15="http://schemas.microsoft.com/office/powerpoint/2012/main"/>
+    </p:ext>
+  </p:extLst>
 </p:presentation>
 </file>
 
@@ -4364,7 +4369,7 @@
         </p:nvGrpSpPr>
         <p:grpSpPr>
           <a:xfrm>
-            <a:off x="7674628" y="1304598"/>
+            <a:off x="5567922" y="1325563"/>
             <a:ext cx="3199559" cy="2863386"/>
             <a:chOff x="7674628" y="1304598"/>
             <a:chExt cx="3199559" cy="2863386"/>
@@ -4468,7 +4473,7 @@
         </p:nvGrpSpPr>
         <p:grpSpPr>
           <a:xfrm>
-            <a:off x="4137631" y="1325563"/>
+            <a:off x="2864642" y="1346528"/>
             <a:ext cx="3199560" cy="2842422"/>
             <a:chOff x="4137631" y="1325563"/>
             <a:chExt cx="3199560" cy="2842422"/>
@@ -4572,7 +4577,7 @@
         </p:nvGrpSpPr>
         <p:grpSpPr>
           <a:xfrm>
-            <a:off x="600633" y="1325563"/>
+            <a:off x="150158" y="1346528"/>
             <a:ext cx="3199561" cy="2821458"/>
             <a:chOff x="600633" y="1325563"/>
             <a:chExt cx="3199561" cy="2821458"/>

--- a/20240402 NF Update - Fig 5.pptx
+++ b/20240402 NF Update - Fig 5.pptx
@@ -3489,7 +3489,7 @@
         </p:blipFill>
         <p:spPr bwMode="auto">
           <a:xfrm>
-            <a:off x="7423049" y="662781"/>
+            <a:off x="7572617" y="80075"/>
             <a:ext cx="2819897" cy="2099021"/>
           </a:xfrm>
           <a:prstGeom prst="rect">
@@ -3536,7 +3536,7 @@
         </p:blipFill>
         <p:spPr bwMode="auto">
           <a:xfrm>
-            <a:off x="7423877" y="2551389"/>
+            <a:off x="7573445" y="1968683"/>
             <a:ext cx="2819069" cy="2101566"/>
           </a:xfrm>
           <a:prstGeom prst="rect">
@@ -3583,7 +3583,7 @@
         </p:blipFill>
         <p:spPr bwMode="auto">
           <a:xfrm>
-            <a:off x="7419630" y="4428424"/>
+            <a:off x="7569198" y="3845718"/>
             <a:ext cx="2823316" cy="2101566"/>
           </a:xfrm>
           <a:prstGeom prst="rect">
@@ -3673,7 +3673,7 @@
         </p:nvCxnSpPr>
         <p:spPr>
           <a:xfrm flipV="1">
-            <a:off x="5593976" y="1712291"/>
+            <a:off x="5593976" y="1400031"/>
             <a:ext cx="1407459" cy="744038"/>
           </a:xfrm>
           <a:prstGeom prst="straightConnector1">
@@ -3714,8 +3714,8 @@
         </p:nvCxnSpPr>
         <p:spPr>
           <a:xfrm flipV="1">
-            <a:off x="5518275" y="3602172"/>
-            <a:ext cx="1483160" cy="13463"/>
+            <a:off x="5689096" y="2966498"/>
+            <a:ext cx="1457275" cy="364709"/>
           </a:xfrm>
           <a:prstGeom prst="straightConnector1">
             <a:avLst/>
@@ -3755,8 +3755,8 @@
         </p:nvCxnSpPr>
         <p:spPr>
           <a:xfrm>
-            <a:off x="5593976" y="4446888"/>
-            <a:ext cx="1488142" cy="833324"/>
+            <a:off x="5593976" y="4398889"/>
+            <a:ext cx="1552395" cy="433087"/>
           </a:xfrm>
           <a:prstGeom prst="straightConnector1">
             <a:avLst/>
@@ -3794,7 +3794,7 @@
         </p:nvSpPr>
         <p:spPr>
           <a:xfrm>
-            <a:off x="5834031" y="1556523"/>
+            <a:off x="5911252" y="1135705"/>
             <a:ext cx="851647" cy="369332"/>
           </a:xfrm>
           <a:prstGeom prst="rect">
@@ -3830,7 +3830,7 @@
         </p:nvSpPr>
         <p:spPr>
           <a:xfrm>
-            <a:off x="5871881" y="3158372"/>
+            <a:off x="6016817" y="2522698"/>
             <a:ext cx="851647" cy="369332"/>
           </a:xfrm>
           <a:prstGeom prst="rect">
@@ -3866,7 +3866,7 @@
         </p:nvSpPr>
         <p:spPr>
           <a:xfrm>
-            <a:off x="5911252" y="4297952"/>
+            <a:off x="5944349" y="4079168"/>
             <a:ext cx="851647" cy="369332"/>
           </a:xfrm>
           <a:prstGeom prst="rect">
@@ -3902,7 +3902,7 @@
         </p:nvSpPr>
         <p:spPr>
           <a:xfrm>
-            <a:off x="10665774" y="1413128"/>
+            <a:off x="10815342" y="830422"/>
             <a:ext cx="681317" cy="369332"/>
           </a:xfrm>
           <a:prstGeom prst="rect">
@@ -3938,7 +3938,7 @@
         </p:nvSpPr>
         <p:spPr>
           <a:xfrm>
-            <a:off x="10665774" y="3343038"/>
+            <a:off x="10815342" y="2760332"/>
             <a:ext cx="681317" cy="369332"/>
           </a:xfrm>
           <a:prstGeom prst="rect">
@@ -3974,7 +3974,7 @@
         </p:nvSpPr>
         <p:spPr>
           <a:xfrm>
-            <a:off x="10665773" y="5131100"/>
+            <a:off x="10815341" y="4548394"/>
             <a:ext cx="681317" cy="369332"/>
           </a:xfrm>
           <a:prstGeom prst="rect">
@@ -3992,6 +3992,162 @@
             <a:r>
               <a:rPr lang="en-US" dirty="0"/>
               <a:t>S2</a:t>
+            </a:r>
+          </a:p>
+        </p:txBody>
+      </p:sp>
+      <p:cxnSp>
+        <p:nvCxnSpPr>
+          <p:cNvPr id="6" name="Straight Arrow Connector 5">
+            <a:extLst>
+              <a:ext uri="{FF2B5EF4-FFF2-40B4-BE49-F238E27FC236}">
+                <a16:creationId xmlns:a16="http://schemas.microsoft.com/office/drawing/2014/main" id="{386F5D88-AE42-5222-3AF8-645C5D3D80AA}"/>
+              </a:ext>
+            </a:extLst>
+          </p:cNvPr>
+          <p:cNvCxnSpPr>
+            <a:cxnSpLocks/>
+          </p:cNvCxnSpPr>
+          <p:nvPr/>
+        </p:nvCxnSpPr>
+        <p:spPr>
+          <a:xfrm>
+            <a:off x="5827808" y="6123101"/>
+            <a:ext cx="1390281" cy="0"/>
+          </a:xfrm>
+          <a:prstGeom prst="straightConnector1">
+            <a:avLst/>
+          </a:prstGeom>
+          <a:ln w="28575">
+            <a:tailEnd type="triangle"/>
+          </a:ln>
+        </p:spPr>
+        <p:style>
+          <a:lnRef idx="2">
+            <a:schemeClr val="accent1"/>
+          </a:lnRef>
+          <a:fillRef idx="0">
+            <a:schemeClr val="accent1"/>
+          </a:fillRef>
+          <a:effectRef idx="1">
+            <a:schemeClr val="accent1"/>
+          </a:effectRef>
+          <a:fontRef idx="minor">
+            <a:schemeClr val="tx1"/>
+          </a:fontRef>
+        </p:style>
+      </p:cxnSp>
+      <p:sp>
+        <p:nvSpPr>
+          <p:cNvPr id="9" name="TextBox 8">
+            <a:extLst>
+              <a:ext uri="{FF2B5EF4-FFF2-40B4-BE49-F238E27FC236}">
+                <a16:creationId xmlns:a16="http://schemas.microsoft.com/office/drawing/2014/main" id="{A3BB6C0E-E968-C6DF-D55D-6A4848BB05A9}"/>
+              </a:ext>
+            </a:extLst>
+          </p:cNvPr>
+          <p:cNvSpPr txBox="1"/>
+          <p:nvPr/>
+        </p:nvSpPr>
+        <p:spPr>
+          <a:xfrm>
+            <a:off x="5644969" y="5683924"/>
+            <a:ext cx="1755958" cy="369332"/>
+          </a:xfrm>
+          <a:prstGeom prst="rect">
+            <a:avLst/>
+          </a:prstGeom>
+          <a:noFill/>
+        </p:spPr>
+        <p:txBody>
+          <a:bodyPr wrap="square" rtlCol="0">
+            <a:spAutoFit/>
+          </a:bodyPr>
+          <a:lstStyle/>
+          <a:p>
+            <a:pPr algn="ctr"/>
+            <a:r>
+              <a:rPr lang="en-US" dirty="0"/>
+              <a:t>N = 1</a:t>
+            </a:r>
+          </a:p>
+        </p:txBody>
+      </p:sp>
+      <p:sp>
+        <p:nvSpPr>
+          <p:cNvPr id="13" name="TextBox 12">
+            <a:extLst>
+              <a:ext uri="{FF2B5EF4-FFF2-40B4-BE49-F238E27FC236}">
+                <a16:creationId xmlns:a16="http://schemas.microsoft.com/office/drawing/2014/main" id="{70E69439-99F3-F959-6950-222FE8D7E04D}"/>
+              </a:ext>
+            </a:extLst>
+          </p:cNvPr>
+          <p:cNvSpPr txBox="1"/>
+          <p:nvPr/>
+        </p:nvSpPr>
+        <p:spPr>
+          <a:xfrm>
+            <a:off x="4988052" y="6214457"/>
+            <a:ext cx="3069791" cy="584775"/>
+          </a:xfrm>
+          <a:prstGeom prst="rect">
+            <a:avLst/>
+          </a:prstGeom>
+          <a:noFill/>
+        </p:spPr>
+        <p:txBody>
+          <a:bodyPr wrap="square">
+            <a:spAutoFit/>
+          </a:bodyPr>
+          <a:lstStyle/>
+          <a:p>
+            <a:pPr algn="ctr"/>
+            <a:r>
+              <a:rPr lang="en-US" sz="1600" dirty="0"/>
+              <a:t>(but keeping the same 9 </a:t>
+            </a:r>
+          </a:p>
+          <a:p>
+            <a:pPr algn="ctr"/>
+            <a:r>
+              <a:rPr lang="en-US" sz="1600" dirty="0"/>
+              <a:t>chi blocks as NFM)</a:t>
+            </a:r>
+          </a:p>
+        </p:txBody>
+      </p:sp>
+      <p:sp>
+        <p:nvSpPr>
+          <p:cNvPr id="17" name="TextBox 16">
+            <a:extLst>
+              <a:ext uri="{FF2B5EF4-FFF2-40B4-BE49-F238E27FC236}">
+                <a16:creationId xmlns:a16="http://schemas.microsoft.com/office/drawing/2014/main" id="{4F709DAF-241D-276B-F616-93F809BA028D}"/>
+              </a:ext>
+            </a:extLst>
+          </p:cNvPr>
+          <p:cNvSpPr txBox="1"/>
+          <p:nvPr/>
+        </p:nvSpPr>
+        <p:spPr>
+          <a:xfrm>
+            <a:off x="10815340" y="6029791"/>
+            <a:ext cx="681317" cy="369332"/>
+          </a:xfrm>
+          <a:prstGeom prst="rect">
+            <a:avLst/>
+          </a:prstGeom>
+          <a:noFill/>
+        </p:spPr>
+        <p:txBody>
+          <a:bodyPr wrap="square" rtlCol="0">
+            <a:spAutoFit/>
+          </a:bodyPr>
+          <a:lstStyle/>
+          <a:p>
+            <a:pPr algn="ctr"/>
+            <a:r>
+              <a:rPr lang="en-US" dirty="0"/>
+              <a:t>S0</a:t>
             </a:r>
           </a:p>
         </p:txBody>
@@ -4193,10 +4349,10 @@
       </p:sp>
       <p:pic>
         <p:nvPicPr>
-          <p:cNvPr id="2050" name="Picture 2">
-            <a:extLst>
-              <a:ext uri="{FF2B5EF4-FFF2-40B4-BE49-F238E27FC236}">
-                <a16:creationId xmlns:a16="http://schemas.microsoft.com/office/drawing/2014/main" id="{B1814AAE-DC70-37FF-5967-B98182796DC5}"/>
+          <p:cNvPr id="4" name="Picture 2">
+            <a:extLst>
+              <a:ext uri="{FF2B5EF4-FFF2-40B4-BE49-F238E27FC236}">
+                <a16:creationId xmlns:a16="http://schemas.microsoft.com/office/drawing/2014/main" id="{DEA765E6-D6C0-BAB0-187C-FCA4ACD751C0}"/>
               </a:ext>
             </a:extLst>
           </p:cNvPr>
@@ -4220,8 +4376,8 @@
         </p:blipFill>
         <p:spPr bwMode="auto">
           <a:xfrm>
-            <a:off x="5677602" y="1728075"/>
-            <a:ext cx="3764931" cy="2948886"/>
+            <a:off x="6075745" y="1731711"/>
+            <a:ext cx="3828649" cy="2998794"/>
           </a:xfrm>
           <a:prstGeom prst="rect">
             <a:avLst/>
@@ -4355,6 +4511,192 @@
           </a:p>
         </p:txBody>
       </p:sp>
+      <p:sp>
+        <p:nvSpPr>
+          <p:cNvPr id="15" name="TextBox 14">
+            <a:extLst>
+              <a:ext uri="{FF2B5EF4-FFF2-40B4-BE49-F238E27FC236}">
+                <a16:creationId xmlns:a16="http://schemas.microsoft.com/office/drawing/2014/main" id="{EFD7BA19-5F64-6243-86D5-F66B4A338AF4}"/>
+              </a:ext>
+            </a:extLst>
+          </p:cNvPr>
+          <p:cNvSpPr txBox="1"/>
+          <p:nvPr/>
+        </p:nvSpPr>
+        <p:spPr>
+          <a:xfrm>
+            <a:off x="649940" y="4411053"/>
+            <a:ext cx="10892117" cy="1938992"/>
+          </a:xfrm>
+          <a:prstGeom prst="rect">
+            <a:avLst/>
+          </a:prstGeom>
+          <a:noFill/>
+        </p:spPr>
+        <p:txBody>
+          <a:bodyPr wrap="square" rtlCol="0">
+            <a:spAutoFit/>
+          </a:bodyPr>
+          <a:lstStyle/>
+          <a:p>
+            <a:pPr>
+              <a:spcBef>
+                <a:spcPts val="1200"/>
+              </a:spcBef>
+            </a:pPr>
+            <a:r>
+              <a:rPr lang="en-US" dirty="0"/>
+              <a:t>Key characteristics:</a:t>
+            </a:r>
+          </a:p>
+          <a:p>
+            <a:pPr marL="285750" indent="-285750">
+              <a:spcBef>
+                <a:spcPts val="1200"/>
+              </a:spcBef>
+              <a:buFont typeface="Arial" panose="020B0604020202020204" pitchFamily="34" charset="0"/>
+              <a:buChar char="•"/>
+            </a:pPr>
+            <a:r>
+              <a:rPr lang="en-US" dirty="0"/>
+              <a:t>NFM shoulder more pronounced </a:t>
+            </a:r>
+            <a:r>
+              <a:rPr lang="en-US" dirty="0">
+                <a:sym typeface="Wingdings" panose="05000000000000000000" pitchFamily="2" charset="2"/>
+              </a:rPr>
+              <a:t> bimodal charge distribution facilitates stretching between charge-dense surface and block 7</a:t>
+            </a:r>
+          </a:p>
+          <a:p>
+            <a:pPr marL="285750" indent="-285750">
+              <a:spcBef>
+                <a:spcPts val="1200"/>
+              </a:spcBef>
+              <a:buFont typeface="Arial" panose="020B0604020202020204" pitchFamily="34" charset="0"/>
+              <a:buChar char="•"/>
+            </a:pPr>
+            <a:r>
+              <a:rPr lang="en-US" dirty="0"/>
+              <a:t>All morphologies multi-layer (expected for hydrophobic, charged polymers with moderate grafting density)</a:t>
+            </a:r>
+          </a:p>
+          <a:p>
+            <a:pPr marL="285750" indent="-285750">
+              <a:spcBef>
+                <a:spcPts val="1200"/>
+              </a:spcBef>
+              <a:buFont typeface="Arial" panose="020B0604020202020204" pitchFamily="34" charset="0"/>
+              <a:buChar char="•"/>
+            </a:pPr>
+            <a:endParaRPr lang="en-US" dirty="0"/>
+          </a:p>
+        </p:txBody>
+      </p:sp>
+      <p:grpSp>
+        <p:nvGrpSpPr>
+          <p:cNvPr id="5" name="Group 4">
+            <a:extLst>
+              <a:ext uri="{FF2B5EF4-FFF2-40B4-BE49-F238E27FC236}">
+                <a16:creationId xmlns:a16="http://schemas.microsoft.com/office/drawing/2014/main" id="{AC7B0432-4E6D-9B94-00DC-6A6A330751CF}"/>
+              </a:ext>
+            </a:extLst>
+          </p:cNvPr>
+          <p:cNvGrpSpPr/>
+          <p:nvPr/>
+        </p:nvGrpSpPr>
+        <p:grpSpPr>
+          <a:xfrm>
+            <a:off x="8271202" y="1325563"/>
+            <a:ext cx="3199559" cy="2863386"/>
+            <a:chOff x="8271202" y="1325563"/>
+            <a:chExt cx="3199559" cy="2863386"/>
+          </a:xfrm>
+        </p:grpSpPr>
+        <p:pic>
+          <p:nvPicPr>
+            <p:cNvPr id="1026" name="Picture 2">
+              <a:extLst>
+                <a:ext uri="{FF2B5EF4-FFF2-40B4-BE49-F238E27FC236}">
+                  <a16:creationId xmlns:a16="http://schemas.microsoft.com/office/drawing/2014/main" id="{21218EF1-D645-97B7-2B4C-63084C1C1F13}"/>
+                </a:ext>
+              </a:extLst>
+            </p:cNvPr>
+            <p:cNvPicPr>
+              <a:picLocks noChangeAspect="1" noChangeArrowheads="1"/>
+            </p:cNvPicPr>
+            <p:nvPr/>
+          </p:nvPicPr>
+          <p:blipFill>
+            <a:blip r:embed="rId2">
+              <a:extLst>
+                <a:ext uri="{28A0092B-C50C-407E-A947-70E740481C1C}">
+                  <a14:useLocalDpi xmlns:a14="http://schemas.microsoft.com/office/drawing/2010/main" val="0"/>
+                </a:ext>
+              </a:extLst>
+            </a:blip>
+            <a:srcRect/>
+            <a:stretch>
+              <a:fillRect/>
+            </a:stretch>
+          </p:blipFill>
+          <p:spPr bwMode="auto">
+            <a:xfrm>
+              <a:off x="8271202" y="1715860"/>
+              <a:ext cx="3199559" cy="2473089"/>
+            </a:xfrm>
+            <a:prstGeom prst="rect">
+              <a:avLst/>
+            </a:prstGeom>
+            <a:noFill/>
+            <a:extLst>
+              <a:ext uri="{909E8E84-426E-40DD-AFC4-6F175D3DCCD1}">
+                <a14:hiddenFill xmlns:a14="http://schemas.microsoft.com/office/drawing/2010/main">
+                  <a:solidFill>
+                    <a:srgbClr val="FFFFFF"/>
+                  </a:solidFill>
+                </a14:hiddenFill>
+              </a:ext>
+            </a:extLst>
+          </p:spPr>
+        </p:pic>
+        <p:sp>
+          <p:nvSpPr>
+            <p:cNvPr id="4" name="TextBox 3">
+              <a:extLst>
+                <a:ext uri="{FF2B5EF4-FFF2-40B4-BE49-F238E27FC236}">
+                  <a16:creationId xmlns:a16="http://schemas.microsoft.com/office/drawing/2014/main" id="{8B78FA53-6369-63BA-1DEB-FD19A72192BF}"/>
+                </a:ext>
+              </a:extLst>
+            </p:cNvPr>
+            <p:cNvSpPr txBox="1"/>
+            <p:nvPr/>
+          </p:nvSpPr>
+          <p:spPr>
+            <a:xfrm>
+              <a:off x="8977530" y="1325563"/>
+              <a:ext cx="2097741" cy="369332"/>
+            </a:xfrm>
+            <a:prstGeom prst="rect">
+              <a:avLst/>
+            </a:prstGeom>
+            <a:noFill/>
+          </p:spPr>
+          <p:txBody>
+            <a:bodyPr wrap="square" rtlCol="0">
+              <a:spAutoFit/>
+            </a:bodyPr>
+            <a:lstStyle/>
+            <a:p>
+              <a:pPr algn="ctr"/>
+              <a:r>
+                <a:rPr lang="en-US" dirty="0"/>
+                <a:t>S0 (block 9)</a:t>
+              </a:r>
+            </a:p>
+          </p:txBody>
+        </p:sp>
+      </p:grpSp>
       <p:grpSp>
         <p:nvGrpSpPr>
           <p:cNvPr id="14" name="Group 13">
@@ -4426,7 +4768,7 @@
             <p:nvPr/>
           </p:nvPicPr>
           <p:blipFill>
-            <a:blip r:embed="rId2">
+            <a:blip r:embed="rId3">
               <a:extLst>
                 <a:ext uri="{28A0092B-C50C-407E-A947-70E740481C1C}">
                   <a14:useLocalDpi xmlns:a14="http://schemas.microsoft.com/office/drawing/2010/main" val="0"/>
@@ -4530,7 +4872,7 @@
             <p:nvPr/>
           </p:nvPicPr>
           <p:blipFill>
-            <a:blip r:embed="rId3">
+            <a:blip r:embed="rId4">
               <a:extLst>
                 <a:ext uri="{28A0092B-C50C-407E-A947-70E740481C1C}">
                   <a14:useLocalDpi xmlns:a14="http://schemas.microsoft.com/office/drawing/2010/main" val="0"/>
@@ -4634,7 +4976,7 @@
             <p:nvPr/>
           </p:nvPicPr>
           <p:blipFill>
-            <a:blip r:embed="rId4">
+            <a:blip r:embed="rId5">
               <a:extLst>
                 <a:ext uri="{28A0092B-C50C-407E-A947-70E740481C1C}">
                   <a14:useLocalDpi xmlns:a14="http://schemas.microsoft.com/office/drawing/2010/main" val="0"/>
@@ -4667,88 +5009,6 @@
           </p:spPr>
         </p:pic>
       </p:grpSp>
-      <p:sp>
-        <p:nvSpPr>
-          <p:cNvPr id="15" name="TextBox 14">
-            <a:extLst>
-              <a:ext uri="{FF2B5EF4-FFF2-40B4-BE49-F238E27FC236}">
-                <a16:creationId xmlns:a16="http://schemas.microsoft.com/office/drawing/2014/main" id="{EFD7BA19-5F64-6243-86D5-F66B4A338AF4}"/>
-              </a:ext>
-            </a:extLst>
-          </p:cNvPr>
-          <p:cNvSpPr txBox="1"/>
-          <p:nvPr/>
-        </p:nvSpPr>
-        <p:spPr>
-          <a:xfrm>
-            <a:off x="649940" y="4411053"/>
-            <a:ext cx="10892117" cy="1938992"/>
-          </a:xfrm>
-          <a:prstGeom prst="rect">
-            <a:avLst/>
-          </a:prstGeom>
-          <a:noFill/>
-        </p:spPr>
-        <p:txBody>
-          <a:bodyPr wrap="square" rtlCol="0">
-            <a:spAutoFit/>
-          </a:bodyPr>
-          <a:lstStyle/>
-          <a:p>
-            <a:pPr>
-              <a:spcBef>
-                <a:spcPts val="1200"/>
-              </a:spcBef>
-            </a:pPr>
-            <a:r>
-              <a:rPr lang="en-US" dirty="0"/>
-              <a:t>Key characteristics:</a:t>
-            </a:r>
-          </a:p>
-          <a:p>
-            <a:pPr marL="285750" indent="-285750">
-              <a:spcBef>
-                <a:spcPts val="1200"/>
-              </a:spcBef>
-              <a:buFont typeface="Arial" panose="020B0604020202020204" pitchFamily="34" charset="0"/>
-              <a:buChar char="•"/>
-            </a:pPr>
-            <a:r>
-              <a:rPr lang="en-US" dirty="0"/>
-              <a:t>NFM shoulder more pronounced </a:t>
-            </a:r>
-            <a:r>
-              <a:rPr lang="en-US" dirty="0">
-                <a:sym typeface="Wingdings" panose="05000000000000000000" pitchFamily="2" charset="2"/>
-              </a:rPr>
-              <a:t> bimodal charge distribution facilitates stretching between charge-dense surface and block 7</a:t>
-            </a:r>
-          </a:p>
-          <a:p>
-            <a:pPr marL="285750" indent="-285750">
-              <a:spcBef>
-                <a:spcPts val="1200"/>
-              </a:spcBef>
-              <a:buFont typeface="Arial" panose="020B0604020202020204" pitchFamily="34" charset="0"/>
-              <a:buChar char="•"/>
-            </a:pPr>
-            <a:r>
-              <a:rPr lang="en-US" dirty="0"/>
-              <a:t>All morphologies multi-layer (expected for hydrophobic, charged polymers with moderate grafting density)</a:t>
-            </a:r>
-          </a:p>
-          <a:p>
-            <a:pPr marL="285750" indent="-285750">
-              <a:spcBef>
-                <a:spcPts val="1200"/>
-              </a:spcBef>
-              <a:buFont typeface="Arial" panose="020B0604020202020204" pitchFamily="34" charset="0"/>
-              <a:buChar char="•"/>
-            </a:pPr>
-            <a:endParaRPr lang="en-US" dirty="0"/>
-          </a:p>
-        </p:txBody>
-      </p:sp>
     </p:spTree>
     <p:extLst>
       <p:ext uri="{BB962C8B-B14F-4D97-AF65-F5344CB8AC3E}">

--- a/20240402 NF Update - Fig 5.pptx
+++ b/20240402 NF Update - Fig 5.pptx
@@ -4147,7 +4147,7 @@
             <a:pPr algn="ctr"/>
             <a:r>
               <a:rPr lang="en-US" dirty="0"/>
-              <a:t>S0</a:t>
+              <a:t>Even</a:t>
             </a:r>
           </a:p>
         </p:txBody>
@@ -4288,7 +4288,7 @@
         <p:spPr>
           <a:xfrm>
             <a:off x="649941" y="4916884"/>
-            <a:ext cx="10892117" cy="1231106"/>
+            <a:ext cx="10892117" cy="1661993"/>
           </a:xfrm>
           <a:prstGeom prst="rect">
             <a:avLst/>
@@ -4334,7 +4334,7 @@
             </a:pPr>
             <a:r>
               <a:rPr lang="en-US" dirty="0"/>
-              <a:t>Height increase </a:t>
+              <a:t>Height increase from S1 &amp; S2 </a:t>
             </a:r>
             <a:r>
               <a:rPr lang="en-US" i="1" dirty="0"/>
@@ -4342,7 +4342,20 @@
             </a:r>
             <a:r>
               <a:rPr lang="en-US" dirty="0"/>
-              <a:t> be from increased grafting density of the modified chains</a:t>
+              <a:t> be from increased grafting density of their brushes compared to NFM</a:t>
+            </a:r>
+          </a:p>
+          <a:p>
+            <a:pPr marL="742950" lvl="1" indent="-285750">
+              <a:spcBef>
+                <a:spcPts val="1200"/>
+              </a:spcBef>
+              <a:buFont typeface="Arial" panose="020B0604020202020204" pitchFamily="34" charset="0"/>
+              <a:buChar char="•"/>
+            </a:pPr>
+            <a:r>
+              <a:rPr lang="en-US" dirty="0"/>
+              <a:t>Grafting density used for Even is same as NFM</a:t>
             </a:r>
           </a:p>
         </p:txBody>
@@ -4511,88 +4524,159 @@
           </a:p>
         </p:txBody>
       </p:sp>
-      <p:sp>
-        <p:nvSpPr>
-          <p:cNvPr id="15" name="TextBox 14">
-            <a:extLst>
-              <a:ext uri="{FF2B5EF4-FFF2-40B4-BE49-F238E27FC236}">
-                <a16:creationId xmlns:a16="http://schemas.microsoft.com/office/drawing/2014/main" id="{EFD7BA19-5F64-6243-86D5-F66B4A338AF4}"/>
-              </a:ext>
-            </a:extLst>
-          </p:cNvPr>
-          <p:cNvSpPr txBox="1"/>
-          <p:nvPr/>
-        </p:nvSpPr>
-        <p:spPr>
-          <a:xfrm>
-            <a:off x="649940" y="4411053"/>
-            <a:ext cx="10892117" cy="1938992"/>
-          </a:xfrm>
-          <a:prstGeom prst="rect">
-            <a:avLst/>
-          </a:prstGeom>
-          <a:noFill/>
-        </p:spPr>
-        <p:txBody>
-          <a:bodyPr wrap="square" rtlCol="0">
-            <a:spAutoFit/>
-          </a:bodyPr>
-          <a:lstStyle/>
-          <a:p>
-            <a:pPr>
-              <a:spcBef>
-                <a:spcPts val="1200"/>
-              </a:spcBef>
-            </a:pPr>
-            <a:r>
-              <a:rPr lang="en-US" dirty="0"/>
-              <a:t>Key characteristics:</a:t>
-            </a:r>
-          </a:p>
-          <a:p>
-            <a:pPr marL="285750" indent="-285750">
-              <a:spcBef>
-                <a:spcPts val="1200"/>
-              </a:spcBef>
-              <a:buFont typeface="Arial" panose="020B0604020202020204" pitchFamily="34" charset="0"/>
-              <a:buChar char="•"/>
-            </a:pPr>
-            <a:r>
-              <a:rPr lang="en-US" dirty="0"/>
-              <a:t>NFM shoulder more pronounced </a:t>
-            </a:r>
-            <a:r>
-              <a:rPr lang="en-US" dirty="0">
-                <a:sym typeface="Wingdings" panose="05000000000000000000" pitchFamily="2" charset="2"/>
-              </a:rPr>
-              <a:t> bimodal charge distribution facilitates stretching between charge-dense surface and block 7</a:t>
-            </a:r>
-          </a:p>
-          <a:p>
-            <a:pPr marL="285750" indent="-285750">
-              <a:spcBef>
-                <a:spcPts val="1200"/>
-              </a:spcBef>
-              <a:buFont typeface="Arial" panose="020B0604020202020204" pitchFamily="34" charset="0"/>
-              <a:buChar char="•"/>
-            </a:pPr>
-            <a:r>
-              <a:rPr lang="en-US" dirty="0"/>
-              <a:t>All morphologies multi-layer (expected for hydrophobic, charged polymers with moderate grafting density)</a:t>
-            </a:r>
-          </a:p>
-          <a:p>
-            <a:pPr marL="285750" indent="-285750">
-              <a:spcBef>
-                <a:spcPts val="1200"/>
-              </a:spcBef>
-              <a:buFont typeface="Arial" panose="020B0604020202020204" pitchFamily="34" charset="0"/>
-              <a:buChar char="•"/>
-            </a:pPr>
-            <a:endParaRPr lang="en-US" dirty="0"/>
-          </a:p>
-        </p:txBody>
-      </p:sp>
+      <mc:AlternateContent xmlns:mc="http://schemas.openxmlformats.org/markup-compatibility/2006">
+        <mc:Choice xmlns:a14="http://schemas.microsoft.com/office/drawing/2010/main" Requires="a14">
+          <p:sp>
+            <p:nvSpPr>
+              <p:cNvPr id="15" name="TextBox 14">
+                <a:extLst>
+                  <a:ext uri="{FF2B5EF4-FFF2-40B4-BE49-F238E27FC236}">
+                    <a16:creationId xmlns:a16="http://schemas.microsoft.com/office/drawing/2014/main" id="{EFD7BA19-5F64-6243-86D5-F66B4A338AF4}"/>
+                  </a:ext>
+                </a:extLst>
+              </p:cNvPr>
+              <p:cNvSpPr txBox="1"/>
+              <p:nvPr/>
+            </p:nvSpPr>
+            <p:spPr>
+              <a:xfrm>
+                <a:off x="723483" y="4289519"/>
+                <a:ext cx="11049001" cy="1938992"/>
+              </a:xfrm>
+              <a:prstGeom prst="rect">
+                <a:avLst/>
+              </a:prstGeom>
+              <a:noFill/>
+            </p:spPr>
+            <p:txBody>
+              <a:bodyPr wrap="square" rtlCol="0">
+                <a:spAutoFit/>
+              </a:bodyPr>
+              <a:lstStyle/>
+              <a:p>
+                <a:pPr>
+                  <a:spcBef>
+                    <a:spcPts val="1200"/>
+                  </a:spcBef>
+                </a:pPr>
+                <a:r>
+                  <a:rPr lang="en-US" dirty="0"/>
+                  <a:t>Key characteristics:</a:t>
+                </a:r>
+              </a:p>
+              <a:p>
+                <a:pPr marL="285750" indent="-285750">
+                  <a:spcBef>
+                    <a:spcPts val="1200"/>
+                  </a:spcBef>
+                  <a:buFont typeface="Arial" panose="020B0604020202020204" pitchFamily="34" charset="0"/>
+                  <a:buChar char="•"/>
+                </a:pPr>
+                <a:r>
+                  <a:rPr lang="en-US" dirty="0"/>
+                  <a:t>NFM shoulder more pronounced </a:t>
+                </a:r>
+                <a:r>
+                  <a:rPr lang="en-US" dirty="0">
+                    <a:sym typeface="Wingdings" panose="05000000000000000000" pitchFamily="2" charset="2"/>
+                  </a:rPr>
+                  <a:t> bimodal charge distribution facilitates stretching between charge-dense surface and block 7</a:t>
+                </a:r>
+              </a:p>
+              <a:p>
+                <a:pPr marL="285750" indent="-285750">
+                  <a:spcBef>
+                    <a:spcPts val="1200"/>
+                  </a:spcBef>
+                  <a:buFont typeface="Arial" panose="020B0604020202020204" pitchFamily="34" charset="0"/>
+                  <a:buChar char="•"/>
+                </a:pPr>
+                <a:r>
+                  <a:rPr lang="en-US" dirty="0"/>
+                  <a:t>The shuffled sequences are still multi-layered, whereas the evenly charged (</a:t>
+                </a:r>
+                <a14:m>
+                  <m:oMath xmlns:m="http://schemas.openxmlformats.org/officeDocument/2006/math">
+                    <m:r>
+                      <a:rPr lang="en-US" b="0" i="1" smtClean="0">
+                        <a:latin typeface="Cambria Math" panose="02040503050406030204" pitchFamily="18" charset="0"/>
+                      </a:rPr>
+                      <m:t>𝜅</m:t>
+                    </m:r>
+                    <m:r>
+                      <a:rPr lang="en-US" b="0" i="1" smtClean="0">
+                        <a:latin typeface="Cambria Math" panose="02040503050406030204" pitchFamily="18" charset="0"/>
+                      </a:rPr>
+                      <m:t>=0</m:t>
+                    </m:r>
+                  </m:oMath>
+                </a14:m>
+                <a:r>
+                  <a:rPr lang="en-US" dirty="0"/>
+                  <a:t>) polymer is single-layered</a:t>
+                </a:r>
+              </a:p>
+              <a:p>
+                <a:pPr marL="742950" lvl="1" indent="-285750">
+                  <a:spcBef>
+                    <a:spcPts val="1200"/>
+                  </a:spcBef>
+                  <a:buFont typeface="Arial" panose="020B0604020202020204" pitchFamily="34" charset="0"/>
+                  <a:buChar char="•"/>
+                </a:pPr>
+                <a:r>
+                  <a:rPr lang="en-US" dirty="0"/>
+                  <a:t>Regardless, shoulder is not as strong</a:t>
+                </a:r>
+              </a:p>
+            </p:txBody>
+          </p:sp>
+        </mc:Choice>
+        <mc:Fallback>
+          <p:sp>
+            <p:nvSpPr>
+              <p:cNvPr id="15" name="TextBox 14">
+                <a:extLst>
+                  <a:ext uri="{FF2B5EF4-FFF2-40B4-BE49-F238E27FC236}">
+                    <a16:creationId xmlns:a16="http://schemas.microsoft.com/office/drawing/2014/main" id="{EFD7BA19-5F64-6243-86D5-F66B4A338AF4}"/>
+                  </a:ext>
+                </a:extLst>
+              </p:cNvPr>
+              <p:cNvSpPr txBox="1">
+                <a:spLocks noRot="1" noChangeAspect="1" noMove="1" noResize="1" noEditPoints="1" noAdjustHandles="1" noChangeArrowheads="1" noChangeShapeType="1" noTextEdit="1"/>
+              </p:cNvSpPr>
+              <p:nvPr/>
+            </p:nvSpPr>
+            <p:spPr>
+              <a:xfrm>
+                <a:off x="723483" y="4289519"/>
+                <a:ext cx="11049001" cy="1938992"/>
+              </a:xfrm>
+              <a:prstGeom prst="rect">
+                <a:avLst/>
+              </a:prstGeom>
+              <a:blipFill>
+                <a:blip r:embed="rId2"/>
+                <a:stretch>
+                  <a:fillRect l="-497" t="-1572" r="-773" b="-4403"/>
+                </a:stretch>
+              </a:blipFill>
+            </p:spPr>
+            <p:txBody>
+              <a:bodyPr/>
+              <a:lstStyle/>
+              <a:p>
+                <a:r>
+                  <a:rPr lang="en-US">
+                    <a:noFill/>
+                  </a:rPr>
+                  <a:t> </a:t>
+                </a:r>
+              </a:p>
+            </p:txBody>
+          </p:sp>
+        </mc:Fallback>
+      </mc:AlternateContent>
       <p:grpSp>
         <p:nvGrpSpPr>
           <p:cNvPr id="5" name="Group 4">
@@ -4628,7 +4712,7 @@
             <p:nvPr/>
           </p:nvPicPr>
           <p:blipFill>
-            <a:blip r:embed="rId2">
+            <a:blip r:embed="rId3">
               <a:extLst>
                 <a:ext uri="{28A0092B-C50C-407E-A947-70E740481C1C}">
                   <a14:useLocalDpi xmlns:a14="http://schemas.microsoft.com/office/drawing/2010/main" val="0"/>
@@ -4768,7 +4852,7 @@
             <p:nvPr/>
           </p:nvPicPr>
           <p:blipFill>
-            <a:blip r:embed="rId3">
+            <a:blip r:embed="rId4">
               <a:extLst>
                 <a:ext uri="{28A0092B-C50C-407E-A947-70E740481C1C}">
                   <a14:useLocalDpi xmlns:a14="http://schemas.microsoft.com/office/drawing/2010/main" val="0"/>
@@ -4872,7 +4956,7 @@
             <p:nvPr/>
           </p:nvPicPr>
           <p:blipFill>
-            <a:blip r:embed="rId4">
+            <a:blip r:embed="rId5">
               <a:extLst>
                 <a:ext uri="{28A0092B-C50C-407E-A947-70E740481C1C}">
                   <a14:useLocalDpi xmlns:a14="http://schemas.microsoft.com/office/drawing/2010/main" val="0"/>
@@ -4976,7 +5060,7 @@
             <p:nvPr/>
           </p:nvPicPr>
           <p:blipFill>
-            <a:blip r:embed="rId5">
+            <a:blip r:embed="rId6">
               <a:extLst>
                 <a:ext uri="{28A0092B-C50C-407E-A947-70E740481C1C}">
                   <a14:useLocalDpi xmlns:a14="http://schemas.microsoft.com/office/drawing/2010/main" val="0"/>

--- a/20240402 NF Update - Fig 5.pptx
+++ b/20240402 NF Update - Fig 5.pptx
@@ -9,6 +9,8 @@
     <p:sldId id="257" r:id="rId3"/>
     <p:sldId id="258" r:id="rId4"/>
     <p:sldId id="259" r:id="rId5"/>
+    <p:sldId id="260" r:id="rId6"/>
+    <p:sldId id="261" r:id="rId7"/>
   </p:sldIdLst>
   <p:sldSz cx="12192000" cy="6858000"/>
   <p:notesSz cx="6858000" cy="9144000"/>
@@ -4524,8 +4526,8 @@
           </a:p>
         </p:txBody>
       </p:sp>
-      <mc:AlternateContent xmlns:mc="http://schemas.openxmlformats.org/markup-compatibility/2006">
-        <mc:Choice xmlns:a14="http://schemas.microsoft.com/office/drawing/2010/main" Requires="a14">
+      <mc:AlternateContent xmlns:mc="http://schemas.openxmlformats.org/markup-compatibility/2006" xmlns:a14="http://schemas.microsoft.com/office/drawing/2010/main">
+        <mc:Choice Requires="a14">
           <p:sp>
             <p:nvSpPr>
               <p:cNvPr id="15" name="TextBox 14">
@@ -4632,7 +4634,7 @@
             </p:txBody>
           </p:sp>
         </mc:Choice>
-        <mc:Fallback>
+        <mc:Fallback xmlns="">
           <p:sp>
             <p:nvSpPr>
               <p:cNvPr id="15" name="TextBox 14">
@@ -5097,6 +5099,692 @@
     <p:extLst>
       <p:ext uri="{BB962C8B-B14F-4D97-AF65-F5344CB8AC3E}">
         <p14:creationId xmlns:p14="http://schemas.microsoft.com/office/powerpoint/2010/main" val="1987933111"/>
+      </p:ext>
+    </p:extLst>
+  </p:cSld>
+  <p:clrMapOvr>
+    <a:masterClrMapping/>
+  </p:clrMapOvr>
+</p:sld>
+</file>
+
+<file path=ppt/slides/slide5.xml><?xml version="1.0" encoding="utf-8"?>
+<p:sld xmlns:a="http://schemas.openxmlformats.org/drawingml/2006/main" xmlns:r="http://schemas.openxmlformats.org/officeDocument/2006/relationships" xmlns:p="http://schemas.openxmlformats.org/presentationml/2006/main">
+  <p:cSld>
+    <p:spTree>
+      <p:nvGrpSpPr>
+        <p:cNvPr id="1" name=""/>
+        <p:cNvGrpSpPr/>
+        <p:nvPr/>
+      </p:nvGrpSpPr>
+      <p:grpSpPr>
+        <a:xfrm>
+          <a:off x="0" y="0"/>
+          <a:ext cx="0" cy="0"/>
+          <a:chOff x="0" y="0"/>
+          <a:chExt cx="0" cy="0"/>
+        </a:xfrm>
+      </p:grpSpPr>
+      <p:sp>
+        <p:nvSpPr>
+          <p:cNvPr id="2" name="Title 1">
+            <a:extLst>
+              <a:ext uri="{FF2B5EF4-FFF2-40B4-BE49-F238E27FC236}">
+                <a16:creationId xmlns:a16="http://schemas.microsoft.com/office/drawing/2014/main" id="{55CD79B8-908B-FF93-BC8E-E64B9BCA618A}"/>
+              </a:ext>
+            </a:extLst>
+          </p:cNvPr>
+          <p:cNvSpPr>
+            <a:spLocks noGrp="1"/>
+          </p:cNvSpPr>
+          <p:nvPr>
+            <p:ph type="title"/>
+          </p:nvPr>
+        </p:nvSpPr>
+        <p:spPr>
+          <a:xfrm>
+            <a:off x="0" y="0"/>
+            <a:ext cx="10515600" cy="1325563"/>
+          </a:xfrm>
+        </p:spPr>
+        <p:txBody>
+          <a:bodyPr/>
+          <a:lstStyle/>
+          <a:p>
+            <a:r>
+              <a:rPr lang="en-US" dirty="0"/>
+              <a:t>D6</a:t>
+            </a:r>
+          </a:p>
+        </p:txBody>
+      </p:sp>
+      <p:grpSp>
+        <p:nvGrpSpPr>
+          <p:cNvPr id="3" name="Group 2">
+            <a:extLst>
+              <a:ext uri="{FF2B5EF4-FFF2-40B4-BE49-F238E27FC236}">
+                <a16:creationId xmlns:a16="http://schemas.microsoft.com/office/drawing/2014/main" id="{F7D2EAA2-CEA8-3EF1-DAE4-53513CFDA8BE}"/>
+              </a:ext>
+            </a:extLst>
+          </p:cNvPr>
+          <p:cNvGrpSpPr/>
+          <p:nvPr/>
+        </p:nvGrpSpPr>
+        <p:grpSpPr>
+          <a:xfrm>
+            <a:off x="1110989" y="1742762"/>
+            <a:ext cx="2709791" cy="2160495"/>
+            <a:chOff x="4850873" y="998248"/>
+            <a:chExt cx="3488794" cy="2781588"/>
+          </a:xfrm>
+        </p:grpSpPr>
+        <p:pic>
+          <p:nvPicPr>
+            <p:cNvPr id="4" name="Picture 4">
+              <a:extLst>
+                <a:ext uri="{FF2B5EF4-FFF2-40B4-BE49-F238E27FC236}">
+                  <a16:creationId xmlns:a16="http://schemas.microsoft.com/office/drawing/2014/main" id="{4E7696D2-670A-6A97-54C0-18070D872C09}"/>
+                </a:ext>
+              </a:extLst>
+            </p:cNvPr>
+            <p:cNvPicPr>
+              <a:picLocks noChangeAspect="1" noChangeArrowheads="1"/>
+            </p:cNvPicPr>
+            <p:nvPr/>
+          </p:nvPicPr>
+          <p:blipFill>
+            <a:blip r:embed="rId2">
+              <a:extLst>
+                <a:ext uri="{28A0092B-C50C-407E-A947-70E740481C1C}">
+                  <a14:useLocalDpi xmlns:a14="http://schemas.microsoft.com/office/drawing/2010/main" val="0"/>
+                </a:ext>
+              </a:extLst>
+            </a:blip>
+            <a:srcRect/>
+            <a:stretch>
+              <a:fillRect/>
+            </a:stretch>
+          </p:blipFill>
+          <p:spPr bwMode="auto">
+            <a:xfrm>
+              <a:off x="4850873" y="1182914"/>
+              <a:ext cx="3488794" cy="2596922"/>
+            </a:xfrm>
+            <a:prstGeom prst="rect">
+              <a:avLst/>
+            </a:prstGeom>
+            <a:noFill/>
+            <a:extLst>
+              <a:ext uri="{909E8E84-426E-40DD-AFC4-6F175D3DCCD1}">
+                <a14:hiddenFill xmlns:a14="http://schemas.microsoft.com/office/drawing/2010/main">
+                  <a:solidFill>
+                    <a:srgbClr val="FFFFFF"/>
+                  </a:solidFill>
+                </a14:hiddenFill>
+              </a:ext>
+            </a:extLst>
+          </p:spPr>
+        </p:pic>
+        <p:sp>
+          <p:nvSpPr>
+            <p:cNvPr id="5" name="TextBox 4">
+              <a:extLst>
+                <a:ext uri="{FF2B5EF4-FFF2-40B4-BE49-F238E27FC236}">
+                  <a16:creationId xmlns:a16="http://schemas.microsoft.com/office/drawing/2014/main" id="{F52556DF-952A-7876-8E2D-842BC48D7608}"/>
+                </a:ext>
+              </a:extLst>
+            </p:cNvPr>
+            <p:cNvSpPr txBox="1"/>
+            <p:nvPr/>
+          </p:nvSpPr>
+          <p:spPr>
+            <a:xfrm>
+              <a:off x="6017288" y="998248"/>
+              <a:ext cx="990600" cy="495385"/>
+            </a:xfrm>
+            <a:prstGeom prst="rect">
+              <a:avLst/>
+            </a:prstGeom>
+            <a:noFill/>
+          </p:spPr>
+          <p:txBody>
+            <a:bodyPr wrap="square" rtlCol="0">
+              <a:spAutoFit/>
+            </a:bodyPr>
+            <a:lstStyle/>
+            <a:p>
+              <a:pPr algn="ctr"/>
+              <a:r>
+                <a:rPr lang="en-US" sz="1600" dirty="0"/>
+                <a:t>NFH</a:t>
+              </a:r>
+            </a:p>
+          </p:txBody>
+        </p:sp>
+      </p:grpSp>
+      <p:grpSp>
+        <p:nvGrpSpPr>
+          <p:cNvPr id="6" name="Group 5">
+            <a:extLst>
+              <a:ext uri="{FF2B5EF4-FFF2-40B4-BE49-F238E27FC236}">
+                <a16:creationId xmlns:a16="http://schemas.microsoft.com/office/drawing/2014/main" id="{CEDE0966-440E-5554-EE8D-538ED4E73121}"/>
+              </a:ext>
+            </a:extLst>
+          </p:cNvPr>
+          <p:cNvGrpSpPr/>
+          <p:nvPr/>
+        </p:nvGrpSpPr>
+        <p:grpSpPr>
+          <a:xfrm>
+            <a:off x="5456183" y="-5359"/>
+            <a:ext cx="2709792" cy="2251018"/>
+            <a:chOff x="5659863" y="3598293"/>
+            <a:chExt cx="3487773" cy="2897285"/>
+          </a:xfrm>
+        </p:grpSpPr>
+        <p:pic>
+          <p:nvPicPr>
+            <p:cNvPr id="7" name="Picture 4">
+              <a:extLst>
+                <a:ext uri="{FF2B5EF4-FFF2-40B4-BE49-F238E27FC236}">
+                  <a16:creationId xmlns:a16="http://schemas.microsoft.com/office/drawing/2014/main" id="{6DA4BCF1-1331-1436-BA5B-E1980A928F17}"/>
+                </a:ext>
+              </a:extLst>
+            </p:cNvPr>
+            <p:cNvPicPr>
+              <a:picLocks noChangeAspect="1" noChangeArrowheads="1"/>
+            </p:cNvPicPr>
+            <p:nvPr/>
+          </p:nvPicPr>
+          <p:blipFill>
+            <a:blip r:embed="rId3">
+              <a:extLst>
+                <a:ext uri="{28A0092B-C50C-407E-A947-70E740481C1C}">
+                  <a14:useLocalDpi xmlns:a14="http://schemas.microsoft.com/office/drawing/2010/main" val="0"/>
+                </a:ext>
+              </a:extLst>
+            </a:blip>
+            <a:srcRect/>
+            <a:stretch>
+              <a:fillRect/>
+            </a:stretch>
+          </p:blipFill>
+          <p:spPr bwMode="auto">
+            <a:xfrm>
+              <a:off x="5659863" y="3899416"/>
+              <a:ext cx="3487773" cy="2596162"/>
+            </a:xfrm>
+            <a:prstGeom prst="rect">
+              <a:avLst/>
+            </a:prstGeom>
+            <a:noFill/>
+            <a:extLst>
+              <a:ext uri="{909E8E84-426E-40DD-AFC4-6F175D3DCCD1}">
+                <a14:hiddenFill xmlns:a14="http://schemas.microsoft.com/office/drawing/2010/main">
+                  <a:solidFill>
+                    <a:srgbClr val="FFFFFF"/>
+                  </a:solidFill>
+                </a14:hiddenFill>
+              </a:ext>
+            </a:extLst>
+          </p:spPr>
+        </p:pic>
+        <p:sp>
+          <p:nvSpPr>
+            <p:cNvPr id="8" name="TextBox 7">
+              <a:extLst>
+                <a:ext uri="{FF2B5EF4-FFF2-40B4-BE49-F238E27FC236}">
+                  <a16:creationId xmlns:a16="http://schemas.microsoft.com/office/drawing/2014/main" id="{FBE27F0D-DDD7-A4B0-5E0F-2DE8CD4029BA}"/>
+                </a:ext>
+              </a:extLst>
+            </p:cNvPr>
+            <p:cNvSpPr txBox="1"/>
+            <p:nvPr/>
+          </p:nvSpPr>
+          <p:spPr>
+            <a:xfrm>
+              <a:off x="6625698" y="3598293"/>
+              <a:ext cx="1344777" cy="475367"/>
+            </a:xfrm>
+            <a:prstGeom prst="rect">
+              <a:avLst/>
+            </a:prstGeom>
+            <a:noFill/>
+          </p:spPr>
+          <p:txBody>
+            <a:bodyPr wrap="square" rtlCol="0">
+              <a:spAutoFit/>
+            </a:bodyPr>
+            <a:lstStyle/>
+            <a:p>
+              <a:pPr algn="ctr"/>
+              <a:r>
+                <a:rPr lang="en-US" dirty="0"/>
+                <a:t>NFH_DE</a:t>
+              </a:r>
+            </a:p>
+          </p:txBody>
+        </p:sp>
+      </p:grpSp>
+      <p:grpSp>
+        <p:nvGrpSpPr>
+          <p:cNvPr id="13" name="Group 12">
+            <a:extLst>
+              <a:ext uri="{FF2B5EF4-FFF2-40B4-BE49-F238E27FC236}">
+                <a16:creationId xmlns:a16="http://schemas.microsoft.com/office/drawing/2014/main" id="{080B01BE-3983-355D-31B2-58E7B30113F6}"/>
+              </a:ext>
+            </a:extLst>
+          </p:cNvPr>
+          <p:cNvGrpSpPr/>
+          <p:nvPr/>
+        </p:nvGrpSpPr>
+        <p:grpSpPr>
+          <a:xfrm>
+            <a:off x="5457203" y="2303870"/>
+            <a:ext cx="2708772" cy="2250259"/>
+            <a:chOff x="5467700" y="2823010"/>
+            <a:chExt cx="2708772" cy="2250259"/>
+          </a:xfrm>
+        </p:grpSpPr>
+        <p:pic>
+          <p:nvPicPr>
+            <p:cNvPr id="10" name="Picture 8">
+              <a:extLst>
+                <a:ext uri="{FF2B5EF4-FFF2-40B4-BE49-F238E27FC236}">
+                  <a16:creationId xmlns:a16="http://schemas.microsoft.com/office/drawing/2014/main" id="{84AA54F2-14F1-3AEA-F51B-05C597C4B204}"/>
+                </a:ext>
+              </a:extLst>
+            </p:cNvPr>
+            <p:cNvPicPr>
+              <a:picLocks noChangeAspect="1" noChangeArrowheads="1"/>
+            </p:cNvPicPr>
+            <p:nvPr/>
+          </p:nvPicPr>
+          <p:blipFill>
+            <a:blip r:embed="rId4">
+              <a:extLst>
+                <a:ext uri="{28A0092B-C50C-407E-A947-70E740481C1C}">
+                  <a14:useLocalDpi xmlns:a14="http://schemas.microsoft.com/office/drawing/2010/main" val="0"/>
+                </a:ext>
+              </a:extLst>
+            </a:blip>
+            <a:srcRect/>
+            <a:stretch>
+              <a:fillRect/>
+            </a:stretch>
+          </p:blipFill>
+          <p:spPr bwMode="auto">
+            <a:xfrm>
+              <a:off x="5467700" y="3056965"/>
+              <a:ext cx="2708772" cy="2016304"/>
+            </a:xfrm>
+            <a:prstGeom prst="rect">
+              <a:avLst/>
+            </a:prstGeom>
+            <a:noFill/>
+            <a:extLst>
+              <a:ext uri="{909E8E84-426E-40DD-AFC4-6F175D3DCCD1}">
+                <a14:hiddenFill xmlns:a14="http://schemas.microsoft.com/office/drawing/2010/main">
+                  <a:solidFill>
+                    <a:srgbClr val="FFFFFF"/>
+                  </a:solidFill>
+                </a14:hiddenFill>
+              </a:ext>
+            </a:extLst>
+          </p:spPr>
+        </p:pic>
+        <p:sp>
+          <p:nvSpPr>
+            <p:cNvPr id="12" name="TextBox 11">
+              <a:extLst>
+                <a:ext uri="{FF2B5EF4-FFF2-40B4-BE49-F238E27FC236}">
+                  <a16:creationId xmlns:a16="http://schemas.microsoft.com/office/drawing/2014/main" id="{157BF48D-0D3C-2542-F248-F308F5FCA962}"/>
+                </a:ext>
+              </a:extLst>
+            </p:cNvPr>
+            <p:cNvSpPr txBox="1"/>
+            <p:nvPr/>
+          </p:nvSpPr>
+          <p:spPr>
+            <a:xfrm>
+              <a:off x="6107742" y="2823010"/>
+              <a:ext cx="1265520" cy="369332"/>
+            </a:xfrm>
+            <a:prstGeom prst="rect">
+              <a:avLst/>
+            </a:prstGeom>
+            <a:noFill/>
+          </p:spPr>
+          <p:txBody>
+            <a:bodyPr wrap="square" rtlCol="0">
+              <a:spAutoFit/>
+            </a:bodyPr>
+            <a:lstStyle/>
+            <a:p>
+              <a:pPr algn="ctr"/>
+              <a:r>
+                <a:rPr lang="en-US" dirty="0"/>
+                <a:t>NFH_DE-2</a:t>
+              </a:r>
+            </a:p>
+          </p:txBody>
+        </p:sp>
+      </p:grpSp>
+      <p:cxnSp>
+        <p:nvCxnSpPr>
+          <p:cNvPr id="15" name="Straight Arrow Connector 14">
+            <a:extLst>
+              <a:ext uri="{FF2B5EF4-FFF2-40B4-BE49-F238E27FC236}">
+                <a16:creationId xmlns:a16="http://schemas.microsoft.com/office/drawing/2014/main" id="{89FEBABF-2B90-665C-1D84-26B4D2EB0323}"/>
+              </a:ext>
+            </a:extLst>
+          </p:cNvPr>
+          <p:cNvCxnSpPr/>
+          <p:nvPr/>
+        </p:nvCxnSpPr>
+        <p:spPr>
+          <a:xfrm>
+            <a:off x="4249271" y="2823010"/>
+            <a:ext cx="1055261" cy="0"/>
+          </a:xfrm>
+          <a:prstGeom prst="straightConnector1">
+            <a:avLst/>
+          </a:prstGeom>
+          <a:ln w="28575">
+            <a:tailEnd type="triangle"/>
+          </a:ln>
+        </p:spPr>
+        <p:style>
+          <a:lnRef idx="2">
+            <a:schemeClr val="accent1"/>
+          </a:lnRef>
+          <a:fillRef idx="0">
+            <a:schemeClr val="accent1"/>
+          </a:fillRef>
+          <a:effectRef idx="1">
+            <a:schemeClr val="accent1"/>
+          </a:effectRef>
+          <a:fontRef idx="minor">
+            <a:schemeClr val="tx1"/>
+          </a:fontRef>
+        </p:style>
+      </p:cxnSp>
+      <p:grpSp>
+        <p:nvGrpSpPr>
+          <p:cNvPr id="19" name="Group 18">
+            <a:extLst>
+              <a:ext uri="{FF2B5EF4-FFF2-40B4-BE49-F238E27FC236}">
+                <a16:creationId xmlns:a16="http://schemas.microsoft.com/office/drawing/2014/main" id="{7A60D6AB-9F3A-B419-4FD8-A96251EF75CA}"/>
+              </a:ext>
+            </a:extLst>
+          </p:cNvPr>
+          <p:cNvGrpSpPr/>
+          <p:nvPr/>
+        </p:nvGrpSpPr>
+        <p:grpSpPr>
+          <a:xfrm>
+            <a:off x="5456183" y="4580151"/>
+            <a:ext cx="2705717" cy="2277849"/>
+            <a:chOff x="5456183" y="4580151"/>
+            <a:chExt cx="2705717" cy="2277849"/>
+          </a:xfrm>
+        </p:grpSpPr>
+        <p:pic>
+          <p:nvPicPr>
+            <p:cNvPr id="2052" name="Picture 4">
+              <a:extLst>
+                <a:ext uri="{FF2B5EF4-FFF2-40B4-BE49-F238E27FC236}">
+                  <a16:creationId xmlns:a16="http://schemas.microsoft.com/office/drawing/2014/main" id="{163F9B59-31D3-97A9-D4F0-C116E8FAF9AD}"/>
+                </a:ext>
+              </a:extLst>
+            </p:cNvPr>
+            <p:cNvPicPr>
+              <a:picLocks noChangeAspect="1" noChangeArrowheads="1"/>
+            </p:cNvPicPr>
+            <p:nvPr/>
+          </p:nvPicPr>
+          <p:blipFill>
+            <a:blip r:embed="rId5">
+              <a:extLst>
+                <a:ext uri="{28A0092B-C50C-407E-A947-70E740481C1C}">
+                  <a14:useLocalDpi xmlns:a14="http://schemas.microsoft.com/office/drawing/2010/main" val="0"/>
+                </a:ext>
+              </a:extLst>
+            </a:blip>
+            <a:srcRect/>
+            <a:stretch>
+              <a:fillRect/>
+            </a:stretch>
+          </p:blipFill>
+          <p:spPr bwMode="auto">
+            <a:xfrm>
+              <a:off x="5456183" y="4840937"/>
+              <a:ext cx="2705717" cy="2017063"/>
+            </a:xfrm>
+            <a:prstGeom prst="rect">
+              <a:avLst/>
+            </a:prstGeom>
+            <a:noFill/>
+            <a:extLst>
+              <a:ext uri="{909E8E84-426E-40DD-AFC4-6F175D3DCCD1}">
+                <a14:hiddenFill xmlns:a14="http://schemas.microsoft.com/office/drawing/2010/main">
+                  <a:solidFill>
+                    <a:srgbClr val="FFFFFF"/>
+                  </a:solidFill>
+                </a14:hiddenFill>
+              </a:ext>
+            </a:extLst>
+          </p:spPr>
+        </p:pic>
+        <p:sp>
+          <p:nvSpPr>
+            <p:cNvPr id="17" name="TextBox 16">
+              <a:extLst>
+                <a:ext uri="{FF2B5EF4-FFF2-40B4-BE49-F238E27FC236}">
+                  <a16:creationId xmlns:a16="http://schemas.microsoft.com/office/drawing/2014/main" id="{A6F795E3-E14E-ABC1-66BA-5C40483B4F2F}"/>
+                </a:ext>
+              </a:extLst>
+            </p:cNvPr>
+            <p:cNvSpPr txBox="1"/>
+            <p:nvPr/>
+          </p:nvSpPr>
+          <p:spPr>
+            <a:xfrm>
+              <a:off x="6096000" y="4580151"/>
+              <a:ext cx="1265520" cy="369332"/>
+            </a:xfrm>
+            <a:prstGeom prst="rect">
+              <a:avLst/>
+            </a:prstGeom>
+            <a:noFill/>
+          </p:spPr>
+          <p:txBody>
+            <a:bodyPr wrap="square" rtlCol="0">
+              <a:spAutoFit/>
+            </a:bodyPr>
+            <a:lstStyle/>
+            <a:p>
+              <a:pPr algn="ctr"/>
+              <a:r>
+                <a:rPr lang="en-US" dirty="0"/>
+                <a:t>NFH_DE-3</a:t>
+              </a:r>
+            </a:p>
+          </p:txBody>
+        </p:sp>
+      </p:grpSp>
+    </p:spTree>
+    <p:extLst>
+      <p:ext uri="{BB962C8B-B14F-4D97-AF65-F5344CB8AC3E}">
+        <p14:creationId xmlns:p14="http://schemas.microsoft.com/office/powerpoint/2010/main" val="2892405498"/>
+      </p:ext>
+    </p:extLst>
+  </p:cSld>
+  <p:clrMapOvr>
+    <a:masterClrMapping/>
+  </p:clrMapOvr>
+</p:sld>
+</file>
+
+<file path=ppt/slides/slide6.xml><?xml version="1.0" encoding="utf-8"?>
+<p:sld xmlns:a="http://schemas.openxmlformats.org/drawingml/2006/main" xmlns:r="http://schemas.openxmlformats.org/officeDocument/2006/relationships" xmlns:p="http://schemas.openxmlformats.org/presentationml/2006/main">
+  <p:cSld>
+    <p:spTree>
+      <p:nvGrpSpPr>
+        <p:cNvPr id="1" name=""/>
+        <p:cNvGrpSpPr/>
+        <p:nvPr/>
+      </p:nvGrpSpPr>
+      <p:grpSpPr>
+        <a:xfrm>
+          <a:off x="0" y="0"/>
+          <a:ext cx="0" cy="0"/>
+          <a:chOff x="0" y="0"/>
+          <a:chExt cx="0" cy="0"/>
+        </a:xfrm>
+      </p:grpSpPr>
+      <p:sp>
+        <p:nvSpPr>
+          <p:cNvPr id="2" name="Title 1">
+            <a:extLst>
+              <a:ext uri="{FF2B5EF4-FFF2-40B4-BE49-F238E27FC236}">
+                <a16:creationId xmlns:a16="http://schemas.microsoft.com/office/drawing/2014/main" id="{167C802B-8A16-9561-820B-BB63D8E24CB3}"/>
+              </a:ext>
+            </a:extLst>
+          </p:cNvPr>
+          <p:cNvSpPr>
+            <a:spLocks noGrp="1"/>
+          </p:cNvSpPr>
+          <p:nvPr>
+            <p:ph type="title"/>
+          </p:nvPr>
+        </p:nvSpPr>
+        <p:spPr>
+          <a:xfrm>
+            <a:off x="0" y="0"/>
+            <a:ext cx="10515600" cy="1325563"/>
+          </a:xfrm>
+        </p:spPr>
+        <p:txBody>
+          <a:bodyPr/>
+          <a:lstStyle/>
+          <a:p>
+            <a:r>
+              <a:rPr lang="en-US" dirty="0"/>
+              <a:t>Height response</a:t>
+            </a:r>
+          </a:p>
+        </p:txBody>
+      </p:sp>
+      <p:pic>
+        <p:nvPicPr>
+          <p:cNvPr id="16" name="Picture 2">
+            <a:extLst>
+              <a:ext uri="{FF2B5EF4-FFF2-40B4-BE49-F238E27FC236}">
+                <a16:creationId xmlns:a16="http://schemas.microsoft.com/office/drawing/2014/main" id="{387FDCD7-2AB8-D944-140B-CB014F7F8B3D}"/>
+              </a:ext>
+            </a:extLst>
+          </p:cNvPr>
+          <p:cNvPicPr>
+            <a:picLocks noChangeAspect="1" noChangeArrowheads="1"/>
+          </p:cNvPicPr>
+          <p:nvPr/>
+        </p:nvPicPr>
+        <p:blipFill rotWithShape="1">
+          <a:blip r:embed="rId2">
+            <a:extLst>
+              <a:ext uri="{28A0092B-C50C-407E-A947-70E740481C1C}">
+                <a14:useLocalDpi xmlns:a14="http://schemas.microsoft.com/office/drawing/2010/main" val="0"/>
+              </a:ext>
+            </a:extLst>
+          </a:blip>
+          <a:srcRect t="55984" r="71065"/>
+          <a:stretch/>
+        </p:blipFill>
+        <p:spPr bwMode="auto">
+          <a:xfrm>
+            <a:off x="2606393" y="1615215"/>
+            <a:ext cx="2652162" cy="3627570"/>
+          </a:xfrm>
+          <a:prstGeom prst="rect">
+            <a:avLst/>
+          </a:prstGeom>
+          <a:noFill/>
+          <a:ln>
+            <a:noFill/>
+          </a:ln>
+          <a:extLst>
+            <a:ext uri="{909E8E84-426E-40DD-AFC4-6F175D3DCCD1}">
+              <a14:hiddenFill xmlns:a14="http://schemas.microsoft.com/office/drawing/2010/main">
+                <a:solidFill>
+                  <a:srgbClr val="FFFFFF"/>
+                </a:solidFill>
+              </a14:hiddenFill>
+            </a:ext>
+            <a:ext uri="{91240B29-F687-4F45-9708-019B960494DF}">
+              <a14:hiddenLine xmlns:a14="http://schemas.microsoft.com/office/drawing/2010/main" w="9525">
+                <a:solidFill>
+                  <a:srgbClr val="000000"/>
+                </a:solidFill>
+                <a:miter lim="800000"/>
+                <a:headEnd/>
+                <a:tailEnd/>
+              </a14:hiddenLine>
+            </a:ext>
+          </a:extLst>
+        </p:spPr>
+      </p:pic>
+      <p:pic>
+        <p:nvPicPr>
+          <p:cNvPr id="1026" name="Picture 2">
+            <a:extLst>
+              <a:ext uri="{FF2B5EF4-FFF2-40B4-BE49-F238E27FC236}">
+                <a16:creationId xmlns:a16="http://schemas.microsoft.com/office/drawing/2014/main" id="{C6D4E9E9-0712-A713-9D16-8A113E389B9A}"/>
+              </a:ext>
+            </a:extLst>
+          </p:cNvPr>
+          <p:cNvPicPr>
+            <a:picLocks noChangeAspect="1" noChangeArrowheads="1"/>
+          </p:cNvPicPr>
+          <p:nvPr/>
+        </p:nvPicPr>
+        <p:blipFill>
+          <a:blip r:embed="rId3">
+            <a:extLst>
+              <a:ext uri="{28A0092B-C50C-407E-A947-70E740481C1C}">
+                <a14:useLocalDpi xmlns:a14="http://schemas.microsoft.com/office/drawing/2010/main" val="0"/>
+              </a:ext>
+            </a:extLst>
+          </a:blip>
+          <a:srcRect/>
+          <a:stretch>
+            <a:fillRect/>
+          </a:stretch>
+        </p:blipFill>
+        <p:spPr bwMode="auto">
+          <a:xfrm>
+            <a:off x="6389410" y="2255994"/>
+            <a:ext cx="3403289" cy="2665630"/>
+          </a:xfrm>
+          <a:prstGeom prst="rect">
+            <a:avLst/>
+          </a:prstGeom>
+          <a:noFill/>
+          <a:extLst>
+            <a:ext uri="{909E8E84-426E-40DD-AFC4-6F175D3DCCD1}">
+              <a14:hiddenFill xmlns:a14="http://schemas.microsoft.com/office/drawing/2010/main">
+                <a:solidFill>
+                  <a:srgbClr val="FFFFFF"/>
+                </a:solidFill>
+              </a14:hiddenFill>
+            </a:ext>
+          </a:extLst>
+        </p:spPr>
+      </p:pic>
+    </p:spTree>
+    <p:extLst>
+      <p:ext uri="{BB962C8B-B14F-4D97-AF65-F5344CB8AC3E}">
+        <p14:creationId xmlns:p14="http://schemas.microsoft.com/office/powerpoint/2010/main" val="1185364547"/>
       </p:ext>
     </p:extLst>
   </p:cSld>

--- a/20240402 NF Update - Fig 5.pptx
+++ b/20240402 NF Update - Fig 5.pptx
@@ -264,7 +264,7 @@
           <a:p>
             <a:fld id="{9E0FCFD6-FF58-4173-9A24-3CED4CAA6438}" type="datetimeFigureOut">
               <a:rPr lang="en-US" smtClean="0"/>
-              <a:t>4/2/2024</a:t>
+              <a:t>4/3/2024</a:t>
             </a:fld>
             <a:endParaRPr lang="en-US"/>
           </a:p>
@@ -462,7 +462,7 @@
           <a:p>
             <a:fld id="{9E0FCFD6-FF58-4173-9A24-3CED4CAA6438}" type="datetimeFigureOut">
               <a:rPr lang="en-US" smtClean="0"/>
-              <a:t>4/2/2024</a:t>
+              <a:t>4/3/2024</a:t>
             </a:fld>
             <a:endParaRPr lang="en-US"/>
           </a:p>
@@ -670,7 +670,7 @@
           <a:p>
             <a:fld id="{9E0FCFD6-FF58-4173-9A24-3CED4CAA6438}" type="datetimeFigureOut">
               <a:rPr lang="en-US" smtClean="0"/>
-              <a:t>4/2/2024</a:t>
+              <a:t>4/3/2024</a:t>
             </a:fld>
             <a:endParaRPr lang="en-US"/>
           </a:p>
@@ -868,7 +868,7 @@
           <a:p>
             <a:fld id="{9E0FCFD6-FF58-4173-9A24-3CED4CAA6438}" type="datetimeFigureOut">
               <a:rPr lang="en-US" smtClean="0"/>
-              <a:t>4/2/2024</a:t>
+              <a:t>4/3/2024</a:t>
             </a:fld>
             <a:endParaRPr lang="en-US"/>
           </a:p>
@@ -1143,7 +1143,7 @@
           <a:p>
             <a:fld id="{9E0FCFD6-FF58-4173-9A24-3CED4CAA6438}" type="datetimeFigureOut">
               <a:rPr lang="en-US" smtClean="0"/>
-              <a:t>4/2/2024</a:t>
+              <a:t>4/3/2024</a:t>
             </a:fld>
             <a:endParaRPr lang="en-US"/>
           </a:p>
@@ -1408,7 +1408,7 @@
           <a:p>
             <a:fld id="{9E0FCFD6-FF58-4173-9A24-3CED4CAA6438}" type="datetimeFigureOut">
               <a:rPr lang="en-US" smtClean="0"/>
-              <a:t>4/2/2024</a:t>
+              <a:t>4/3/2024</a:t>
             </a:fld>
             <a:endParaRPr lang="en-US"/>
           </a:p>
@@ -1820,7 +1820,7 @@
           <a:p>
             <a:fld id="{9E0FCFD6-FF58-4173-9A24-3CED4CAA6438}" type="datetimeFigureOut">
               <a:rPr lang="en-US" smtClean="0"/>
-              <a:t>4/2/2024</a:t>
+              <a:t>4/3/2024</a:t>
             </a:fld>
             <a:endParaRPr lang="en-US"/>
           </a:p>
@@ -1961,7 +1961,7 @@
           <a:p>
             <a:fld id="{9E0FCFD6-FF58-4173-9A24-3CED4CAA6438}" type="datetimeFigureOut">
               <a:rPr lang="en-US" smtClean="0"/>
-              <a:t>4/2/2024</a:t>
+              <a:t>4/3/2024</a:t>
             </a:fld>
             <a:endParaRPr lang="en-US"/>
           </a:p>
@@ -2074,7 +2074,7 @@
           <a:p>
             <a:fld id="{9E0FCFD6-FF58-4173-9A24-3CED4CAA6438}" type="datetimeFigureOut">
               <a:rPr lang="en-US" smtClean="0"/>
-              <a:t>4/2/2024</a:t>
+              <a:t>4/3/2024</a:t>
             </a:fld>
             <a:endParaRPr lang="en-US"/>
           </a:p>
@@ -2385,7 +2385,7 @@
           <a:p>
             <a:fld id="{9E0FCFD6-FF58-4173-9A24-3CED4CAA6438}" type="datetimeFigureOut">
               <a:rPr lang="en-US" smtClean="0"/>
-              <a:t>4/2/2024</a:t>
+              <a:t>4/3/2024</a:t>
             </a:fld>
             <a:endParaRPr lang="en-US"/>
           </a:p>
@@ -2673,7 +2673,7 @@
           <a:p>
             <a:fld id="{9E0FCFD6-FF58-4173-9A24-3CED4CAA6438}" type="datetimeFigureOut">
               <a:rPr lang="en-US" smtClean="0"/>
-              <a:t>4/2/2024</a:t>
+              <a:t>4/3/2024</a:t>
             </a:fld>
             <a:endParaRPr lang="en-US"/>
           </a:p>
@@ -2914,7 +2914,7 @@
           <a:p>
             <a:fld id="{9E0FCFD6-FF58-4173-9A24-3CED4CAA6438}" type="datetimeFigureOut">
               <a:rPr lang="en-US" smtClean="0"/>
-              <a:t>4/2/2024</a:t>
+              <a:t>4/3/2024</a:t>
             </a:fld>
             <a:endParaRPr lang="en-US"/>
           </a:p>
@@ -5609,6 +5609,111 @@
                 <a:rPr lang="en-US" dirty="0"/>
                 <a:t>NFH_DE-3</a:t>
               </a:r>
+            </a:p>
+          </p:txBody>
+        </p:sp>
+      </p:grpSp>
+      <p:grpSp>
+        <p:nvGrpSpPr>
+          <p:cNvPr id="18" name="Group 17">
+            <a:extLst>
+              <a:ext uri="{FF2B5EF4-FFF2-40B4-BE49-F238E27FC236}">
+                <a16:creationId xmlns:a16="http://schemas.microsoft.com/office/drawing/2014/main" id="{B5EDF6F0-0295-B422-8F8A-F6C92BBB7AFB}"/>
+              </a:ext>
+            </a:extLst>
+          </p:cNvPr>
+          <p:cNvGrpSpPr/>
+          <p:nvPr/>
+        </p:nvGrpSpPr>
+        <p:grpSpPr>
+          <a:xfrm>
+            <a:off x="8989276" y="2303870"/>
+            <a:ext cx="2708772" cy="2276281"/>
+            <a:chOff x="8989276" y="2303870"/>
+            <a:chExt cx="2708772" cy="2276281"/>
+          </a:xfrm>
+        </p:grpSpPr>
+        <p:pic>
+          <p:nvPicPr>
+            <p:cNvPr id="1026" name="Picture 2">
+              <a:extLst>
+                <a:ext uri="{FF2B5EF4-FFF2-40B4-BE49-F238E27FC236}">
+                  <a16:creationId xmlns:a16="http://schemas.microsoft.com/office/drawing/2014/main" id="{DDCBE5BF-82C3-2367-1395-993CCDEE4E7C}"/>
+                </a:ext>
+              </a:extLst>
+            </p:cNvPr>
+            <p:cNvPicPr>
+              <a:picLocks noChangeAspect="1" noChangeArrowheads="1"/>
+            </p:cNvPicPr>
+            <p:nvPr/>
+          </p:nvPicPr>
+          <p:blipFill>
+            <a:blip r:embed="rId6">
+              <a:extLst>
+                <a:ext uri="{28A0092B-C50C-407E-A947-70E740481C1C}">
+                  <a14:useLocalDpi xmlns:a14="http://schemas.microsoft.com/office/drawing/2010/main" val="0"/>
+                </a:ext>
+              </a:extLst>
+            </a:blip>
+            <a:srcRect/>
+            <a:stretch>
+              <a:fillRect/>
+            </a:stretch>
+          </p:blipFill>
+          <p:spPr bwMode="auto">
+            <a:xfrm>
+              <a:off x="8989276" y="2563847"/>
+              <a:ext cx="2708772" cy="2016304"/>
+            </a:xfrm>
+            <a:prstGeom prst="rect">
+              <a:avLst/>
+            </a:prstGeom>
+            <a:noFill/>
+            <a:extLst>
+              <a:ext uri="{909E8E84-426E-40DD-AFC4-6F175D3DCCD1}">
+                <a14:hiddenFill xmlns:a14="http://schemas.microsoft.com/office/drawing/2010/main">
+                  <a:solidFill>
+                    <a:srgbClr val="FFFFFF"/>
+                  </a:solidFill>
+                </a14:hiddenFill>
+              </a:ext>
+            </a:extLst>
+          </p:spPr>
+        </p:pic>
+        <p:sp>
+          <p:nvSpPr>
+            <p:cNvPr id="16" name="TextBox 15">
+              <a:extLst>
+                <a:ext uri="{FF2B5EF4-FFF2-40B4-BE49-F238E27FC236}">
+                  <a16:creationId xmlns:a16="http://schemas.microsoft.com/office/drawing/2014/main" id="{E50FB535-D21C-0FD5-3D49-9E74C68AC16B}"/>
+                </a:ext>
+              </a:extLst>
+            </p:cNvPr>
+            <p:cNvSpPr txBox="1"/>
+            <p:nvPr/>
+          </p:nvSpPr>
+          <p:spPr>
+            <a:xfrm>
+              <a:off x="9639230" y="2303870"/>
+              <a:ext cx="1265520" cy="369332"/>
+            </a:xfrm>
+            <a:prstGeom prst="rect">
+              <a:avLst/>
+            </a:prstGeom>
+            <a:noFill/>
+          </p:spPr>
+          <p:txBody>
+            <a:bodyPr wrap="square" rtlCol="0">
+              <a:spAutoFit/>
+            </a:bodyPr>
+            <a:lstStyle/>
+            <a:p>
+              <a:pPr algn="ctr"/>
+              <a:r>
+                <a:rPr lang="en-US" dirty="0" err="1"/>
+                <a:t>pNFH_DE</a:t>
+              </a:r>
+              <a:endParaRPr lang="en-US" dirty="0"/>
             </a:p>
           </p:txBody>
         </p:sp>

--- a/20240402 NF Update - Fig 5.pptx
+++ b/20240402 NF Update - Fig 5.pptx
@@ -10,7 +10,8 @@
     <p:sldId id="258" r:id="rId4"/>
     <p:sldId id="259" r:id="rId5"/>
     <p:sldId id="260" r:id="rId6"/>
-    <p:sldId id="261" r:id="rId7"/>
+    <p:sldId id="262" r:id="rId7"/>
+    <p:sldId id="261" r:id="rId8"/>
   </p:sldIdLst>
   <p:sldSz cx="12192000" cy="6858000"/>
   <p:notesSz cx="6858000" cy="9144000"/>
@@ -5172,7 +5173,7 @@
         </p:nvGrpSpPr>
         <p:grpSpPr>
           <a:xfrm>
-            <a:off x="1110989" y="1742762"/>
+            <a:off x="686494" y="2348752"/>
             <a:ext cx="2709791" cy="2160495"/>
             <a:chOff x="4850873" y="998248"/>
             <a:chExt cx="3488794" cy="2781588"/>
@@ -5276,10 +5277,10 @@
         </p:nvGrpSpPr>
         <p:grpSpPr>
           <a:xfrm>
-            <a:off x="5456183" y="-5359"/>
-            <a:ext cx="2709792" cy="2251018"/>
-            <a:chOff x="5659863" y="3598293"/>
-            <a:chExt cx="3487773" cy="2897285"/>
+            <a:off x="5383090" y="-274301"/>
+            <a:ext cx="3750529" cy="2017063"/>
+            <a:chOff x="5659863" y="3899416"/>
+            <a:chExt cx="4827305" cy="2596162"/>
           </a:xfrm>
         </p:grpSpPr>
         <p:pic>
@@ -5343,7 +5344,7 @@
           </p:nvSpPr>
           <p:spPr>
             <a:xfrm>
-              <a:off x="6625698" y="3598293"/>
+              <a:off x="9142391" y="4792526"/>
               <a:ext cx="1344777" cy="475367"/>
             </a:xfrm>
             <a:prstGeom prst="rect">
@@ -5380,10 +5381,10 @@
         </p:nvGrpSpPr>
         <p:grpSpPr>
           <a:xfrm>
-            <a:off x="5457203" y="2303870"/>
-            <a:ext cx="2708772" cy="2250259"/>
-            <a:chOff x="5467700" y="2823010"/>
-            <a:chExt cx="2708772" cy="2250259"/>
+            <a:off x="5339914" y="1444823"/>
+            <a:ext cx="3897026" cy="2016304"/>
+            <a:chOff x="5467700" y="3056965"/>
+            <a:chExt cx="3897026" cy="2016304"/>
           </a:xfrm>
         </p:grpSpPr>
         <p:pic>
@@ -5447,7 +5448,7 @@
           </p:nvSpPr>
           <p:spPr>
             <a:xfrm>
-              <a:off x="6107742" y="2823010"/>
+              <a:off x="8099206" y="3704901"/>
               <a:ext cx="1265520" cy="369332"/>
             </a:xfrm>
             <a:prstGeom prst="rect">
@@ -5484,7 +5485,7 @@
         </p:nvCxnSpPr>
         <p:spPr>
           <a:xfrm>
-            <a:off x="4249271" y="2823010"/>
+            <a:off x="3621576" y="3429000"/>
             <a:ext cx="1055261" cy="0"/>
           </a:xfrm>
           <a:prstGeom prst="straightConnector1">
@@ -5523,10 +5524,10 @@
         </p:nvGrpSpPr>
         <p:grpSpPr>
           <a:xfrm>
-            <a:off x="5456183" y="4580151"/>
-            <a:ext cx="2705717" cy="2277849"/>
-            <a:chOff x="5456183" y="4580151"/>
-            <a:chExt cx="2705717" cy="2277849"/>
+            <a:off x="5339914" y="3182052"/>
+            <a:ext cx="3931116" cy="2017063"/>
+            <a:chOff x="5456183" y="4840937"/>
+            <a:chExt cx="3931116" cy="2017063"/>
           </a:xfrm>
         </p:grpSpPr>
         <p:pic>
@@ -5590,7 +5591,7 @@
           </p:nvSpPr>
           <p:spPr>
             <a:xfrm>
-              <a:off x="6096000" y="4580151"/>
+              <a:off x="8121779" y="5517345"/>
               <a:ext cx="1265520" cy="369332"/>
             </a:xfrm>
             <a:prstGeom prst="rect">
@@ -5627,7 +5628,7 @@
         </p:nvGrpSpPr>
         <p:grpSpPr>
           <a:xfrm>
-            <a:off x="8989276" y="2303870"/>
+            <a:off x="9276963" y="2245658"/>
             <a:ext cx="2708772" cy="2276281"/>
             <a:chOff x="8989276" y="2303870"/>
             <a:chExt cx="2708772" cy="2276281"/>
@@ -5718,6 +5719,110 @@
           </p:txBody>
         </p:sp>
       </p:grpSp>
+      <p:grpSp>
+        <p:nvGrpSpPr>
+          <p:cNvPr id="20" name="Group 19">
+            <a:extLst>
+              <a:ext uri="{FF2B5EF4-FFF2-40B4-BE49-F238E27FC236}">
+                <a16:creationId xmlns:a16="http://schemas.microsoft.com/office/drawing/2014/main" id="{5FF0BA18-74F1-A708-E910-092B7F19F6CC}"/>
+              </a:ext>
+            </a:extLst>
+          </p:cNvPr>
+          <p:cNvGrpSpPr/>
+          <p:nvPr/>
+        </p:nvGrpSpPr>
+        <p:grpSpPr>
+          <a:xfrm>
+            <a:off x="5231439" y="4857496"/>
+            <a:ext cx="4119450" cy="2124354"/>
+            <a:chOff x="4743141" y="3155858"/>
+            <a:chExt cx="4119450" cy="2124354"/>
+          </a:xfrm>
+        </p:grpSpPr>
+        <p:pic>
+          <p:nvPicPr>
+            <p:cNvPr id="21" name="Picture 2">
+              <a:extLst>
+                <a:ext uri="{FF2B5EF4-FFF2-40B4-BE49-F238E27FC236}">
+                  <a16:creationId xmlns:a16="http://schemas.microsoft.com/office/drawing/2014/main" id="{4CA89550-4687-F6E2-A921-B705E271D963}"/>
+                </a:ext>
+              </a:extLst>
+            </p:cNvPr>
+            <p:cNvPicPr>
+              <a:picLocks noChangeAspect="1" noChangeArrowheads="1"/>
+            </p:cNvPicPr>
+            <p:nvPr/>
+          </p:nvPicPr>
+          <p:blipFill>
+            <a:blip r:embed="rId7">
+              <a:extLst>
+                <a:ext uri="{28A0092B-C50C-407E-A947-70E740481C1C}">
+                  <a14:useLocalDpi xmlns:a14="http://schemas.microsoft.com/office/drawing/2010/main" val="0"/>
+                </a:ext>
+              </a:extLst>
+            </a:blip>
+            <a:srcRect/>
+            <a:stretch>
+              <a:fillRect/>
+            </a:stretch>
+          </p:blipFill>
+          <p:spPr bwMode="auto">
+            <a:xfrm>
+              <a:off x="4743141" y="3155858"/>
+              <a:ext cx="2853930" cy="2124354"/>
+            </a:xfrm>
+            <a:prstGeom prst="rect">
+              <a:avLst/>
+            </a:prstGeom>
+            <a:noFill/>
+            <a:extLst>
+              <a:ext uri="{909E8E84-426E-40DD-AFC4-6F175D3DCCD1}">
+                <a14:hiddenFill xmlns:a14="http://schemas.microsoft.com/office/drawing/2010/main">
+                  <a:solidFill>
+                    <a:srgbClr val="FFFFFF"/>
+                  </a:solidFill>
+                </a14:hiddenFill>
+              </a:ext>
+            </a:extLst>
+          </p:spPr>
+        </p:pic>
+        <p:sp>
+          <p:nvSpPr>
+            <p:cNvPr id="22" name="TextBox 21">
+              <a:extLst>
+                <a:ext uri="{FF2B5EF4-FFF2-40B4-BE49-F238E27FC236}">
+                  <a16:creationId xmlns:a16="http://schemas.microsoft.com/office/drawing/2014/main" id="{23E2DBF0-7527-0350-8678-4589108B123A}"/>
+                </a:ext>
+              </a:extLst>
+            </p:cNvPr>
+            <p:cNvSpPr txBox="1"/>
+            <p:nvPr/>
+          </p:nvSpPr>
+          <p:spPr>
+            <a:xfrm>
+              <a:off x="7597071" y="3891287"/>
+              <a:ext cx="1265520" cy="369332"/>
+            </a:xfrm>
+            <a:prstGeom prst="rect">
+              <a:avLst/>
+            </a:prstGeom>
+            <a:noFill/>
+          </p:spPr>
+          <p:txBody>
+            <a:bodyPr wrap="square" rtlCol="0">
+              <a:spAutoFit/>
+            </a:bodyPr>
+            <a:lstStyle/>
+            <a:p>
+              <a:pPr algn="ctr"/>
+              <a:r>
+                <a:rPr lang="en-US" dirty="0"/>
+                <a:t>NFH_DE-4</a:t>
+              </a:r>
+            </a:p>
+          </p:txBody>
+        </p:sp>
+      </p:grpSp>
     </p:spTree>
     <p:extLst>
       <p:ext uri="{BB962C8B-B14F-4D97-AF65-F5344CB8AC3E}">
@@ -5732,6 +5837,244 @@
 </file>
 
 <file path=ppt/slides/slide6.xml><?xml version="1.0" encoding="utf-8"?>
+<p:sld xmlns:a="http://schemas.openxmlformats.org/drawingml/2006/main" xmlns:r="http://schemas.openxmlformats.org/officeDocument/2006/relationships" xmlns:p="http://schemas.openxmlformats.org/presentationml/2006/main">
+  <p:cSld>
+    <p:spTree>
+      <p:nvGrpSpPr>
+        <p:cNvPr id="1" name=""/>
+        <p:cNvGrpSpPr/>
+        <p:nvPr/>
+      </p:nvGrpSpPr>
+      <p:grpSpPr>
+        <a:xfrm>
+          <a:off x="0" y="0"/>
+          <a:ext cx="0" cy="0"/>
+          <a:chOff x="0" y="0"/>
+          <a:chExt cx="0" cy="0"/>
+        </a:xfrm>
+      </p:grpSpPr>
+      <p:grpSp>
+        <p:nvGrpSpPr>
+          <p:cNvPr id="3" name="Group 2">
+            <a:extLst>
+              <a:ext uri="{FF2B5EF4-FFF2-40B4-BE49-F238E27FC236}">
+                <a16:creationId xmlns:a16="http://schemas.microsoft.com/office/drawing/2014/main" id="{53CC4C0C-89E0-D988-78E8-22BE90E30E1E}"/>
+              </a:ext>
+            </a:extLst>
+          </p:cNvPr>
+          <p:cNvGrpSpPr/>
+          <p:nvPr/>
+        </p:nvGrpSpPr>
+        <p:grpSpPr>
+          <a:xfrm>
+            <a:off x="4743141" y="124692"/>
+            <a:ext cx="2705717" cy="2277849"/>
+            <a:chOff x="5456183" y="4580151"/>
+            <a:chExt cx="2705717" cy="2277849"/>
+          </a:xfrm>
+        </p:grpSpPr>
+        <p:pic>
+          <p:nvPicPr>
+            <p:cNvPr id="4" name="Picture 4">
+              <a:extLst>
+                <a:ext uri="{FF2B5EF4-FFF2-40B4-BE49-F238E27FC236}">
+                  <a16:creationId xmlns:a16="http://schemas.microsoft.com/office/drawing/2014/main" id="{BE133299-04F7-2A0B-EAA2-29981D4FAD69}"/>
+                </a:ext>
+              </a:extLst>
+            </p:cNvPr>
+            <p:cNvPicPr>
+              <a:picLocks noChangeAspect="1" noChangeArrowheads="1"/>
+            </p:cNvPicPr>
+            <p:nvPr/>
+          </p:nvPicPr>
+          <p:blipFill>
+            <a:blip r:embed="rId2">
+              <a:extLst>
+                <a:ext uri="{28A0092B-C50C-407E-A947-70E740481C1C}">
+                  <a14:useLocalDpi xmlns:a14="http://schemas.microsoft.com/office/drawing/2010/main" val="0"/>
+                </a:ext>
+              </a:extLst>
+            </a:blip>
+            <a:srcRect/>
+            <a:stretch>
+              <a:fillRect/>
+            </a:stretch>
+          </p:blipFill>
+          <p:spPr bwMode="auto">
+            <a:xfrm>
+              <a:off x="5456183" y="4840937"/>
+              <a:ext cx="2705717" cy="2017063"/>
+            </a:xfrm>
+            <a:prstGeom prst="rect">
+              <a:avLst/>
+            </a:prstGeom>
+            <a:noFill/>
+            <a:extLst>
+              <a:ext uri="{909E8E84-426E-40DD-AFC4-6F175D3DCCD1}">
+                <a14:hiddenFill xmlns:a14="http://schemas.microsoft.com/office/drawing/2010/main">
+                  <a:solidFill>
+                    <a:srgbClr val="FFFFFF"/>
+                  </a:solidFill>
+                </a14:hiddenFill>
+              </a:ext>
+            </a:extLst>
+          </p:spPr>
+        </p:pic>
+        <p:sp>
+          <p:nvSpPr>
+            <p:cNvPr id="5" name="TextBox 4">
+              <a:extLst>
+                <a:ext uri="{FF2B5EF4-FFF2-40B4-BE49-F238E27FC236}">
+                  <a16:creationId xmlns:a16="http://schemas.microsoft.com/office/drawing/2014/main" id="{64873D89-44C8-29C8-9331-1D4D20381571}"/>
+                </a:ext>
+              </a:extLst>
+            </p:cNvPr>
+            <p:cNvSpPr txBox="1"/>
+            <p:nvPr/>
+          </p:nvSpPr>
+          <p:spPr>
+            <a:xfrm>
+              <a:off x="6096000" y="4580151"/>
+              <a:ext cx="1265520" cy="369332"/>
+            </a:xfrm>
+            <a:prstGeom prst="rect">
+              <a:avLst/>
+            </a:prstGeom>
+            <a:noFill/>
+          </p:spPr>
+          <p:txBody>
+            <a:bodyPr wrap="square" rtlCol="0">
+              <a:spAutoFit/>
+            </a:bodyPr>
+            <a:lstStyle/>
+            <a:p>
+              <a:pPr algn="ctr"/>
+              <a:r>
+                <a:rPr lang="en-US" dirty="0"/>
+                <a:t>NFH_DE-3</a:t>
+              </a:r>
+            </a:p>
+          </p:txBody>
+        </p:sp>
+      </p:grpSp>
+      <p:grpSp>
+        <p:nvGrpSpPr>
+          <p:cNvPr id="7" name="Group 6">
+            <a:extLst>
+              <a:ext uri="{FF2B5EF4-FFF2-40B4-BE49-F238E27FC236}">
+                <a16:creationId xmlns:a16="http://schemas.microsoft.com/office/drawing/2014/main" id="{59D9A708-187D-2580-428A-C41084F6A2F0}"/>
+              </a:ext>
+            </a:extLst>
+          </p:cNvPr>
+          <p:cNvGrpSpPr/>
+          <p:nvPr/>
+        </p:nvGrpSpPr>
+        <p:grpSpPr>
+          <a:xfrm>
+            <a:off x="4743141" y="2971192"/>
+            <a:ext cx="2853930" cy="2309020"/>
+            <a:chOff x="4743141" y="2971192"/>
+            <a:chExt cx="2853930" cy="2309020"/>
+          </a:xfrm>
+        </p:grpSpPr>
+        <p:pic>
+          <p:nvPicPr>
+            <p:cNvPr id="3074" name="Picture 2">
+              <a:extLst>
+                <a:ext uri="{FF2B5EF4-FFF2-40B4-BE49-F238E27FC236}">
+                  <a16:creationId xmlns:a16="http://schemas.microsoft.com/office/drawing/2014/main" id="{73469579-4C99-96B5-9F7C-ABC6E49C2FCD}"/>
+                </a:ext>
+              </a:extLst>
+            </p:cNvPr>
+            <p:cNvPicPr>
+              <a:picLocks noChangeAspect="1" noChangeArrowheads="1"/>
+            </p:cNvPicPr>
+            <p:nvPr/>
+          </p:nvPicPr>
+          <p:blipFill>
+            <a:blip r:embed="rId3">
+              <a:extLst>
+                <a:ext uri="{28A0092B-C50C-407E-A947-70E740481C1C}">
+                  <a14:useLocalDpi xmlns:a14="http://schemas.microsoft.com/office/drawing/2010/main" val="0"/>
+                </a:ext>
+              </a:extLst>
+            </a:blip>
+            <a:srcRect/>
+            <a:stretch>
+              <a:fillRect/>
+            </a:stretch>
+          </p:blipFill>
+          <p:spPr bwMode="auto">
+            <a:xfrm>
+              <a:off x="4743141" y="3155858"/>
+              <a:ext cx="2853930" cy="2124354"/>
+            </a:xfrm>
+            <a:prstGeom prst="rect">
+              <a:avLst/>
+            </a:prstGeom>
+            <a:noFill/>
+            <a:extLst>
+              <a:ext uri="{909E8E84-426E-40DD-AFC4-6F175D3DCCD1}">
+                <a14:hiddenFill xmlns:a14="http://schemas.microsoft.com/office/drawing/2010/main">
+                  <a:solidFill>
+                    <a:srgbClr val="FFFFFF"/>
+                  </a:solidFill>
+                </a14:hiddenFill>
+              </a:ext>
+            </a:extLst>
+          </p:spPr>
+        </p:pic>
+        <p:sp>
+          <p:nvSpPr>
+            <p:cNvPr id="6" name="TextBox 5">
+              <a:extLst>
+                <a:ext uri="{FF2B5EF4-FFF2-40B4-BE49-F238E27FC236}">
+                  <a16:creationId xmlns:a16="http://schemas.microsoft.com/office/drawing/2014/main" id="{3F97D66C-584D-2CF4-215D-179ACD6FC213}"/>
+                </a:ext>
+              </a:extLst>
+            </p:cNvPr>
+            <p:cNvSpPr txBox="1"/>
+            <p:nvPr/>
+          </p:nvSpPr>
+          <p:spPr>
+            <a:xfrm>
+              <a:off x="5463239" y="2971192"/>
+              <a:ext cx="1265520" cy="369332"/>
+            </a:xfrm>
+            <a:prstGeom prst="rect">
+              <a:avLst/>
+            </a:prstGeom>
+            <a:noFill/>
+          </p:spPr>
+          <p:txBody>
+            <a:bodyPr wrap="square" rtlCol="0">
+              <a:spAutoFit/>
+            </a:bodyPr>
+            <a:lstStyle/>
+            <a:p>
+              <a:pPr algn="ctr"/>
+              <a:r>
+                <a:rPr lang="en-US" dirty="0"/>
+                <a:t>NFH_DE-4</a:t>
+              </a:r>
+            </a:p>
+          </p:txBody>
+        </p:sp>
+      </p:grpSp>
+    </p:spTree>
+    <p:extLst>
+      <p:ext uri="{BB962C8B-B14F-4D97-AF65-F5344CB8AC3E}">
+        <p14:creationId xmlns:p14="http://schemas.microsoft.com/office/powerpoint/2010/main" val="751392592"/>
+      </p:ext>
+    </p:extLst>
+  </p:cSld>
+  <p:clrMapOvr>
+    <a:masterClrMapping/>
+  </p:clrMapOvr>
+</p:sld>
+</file>
+
+<file path=ppt/slides/slide7.xml><?xml version="1.0" encoding="utf-8"?>
 <p:sld xmlns:a="http://schemas.openxmlformats.org/drawingml/2006/main" xmlns:r="http://schemas.openxmlformats.org/officeDocument/2006/relationships" xmlns:p="http://schemas.openxmlformats.org/presentationml/2006/main">
   <p:cSld>
     <p:spTree>
@@ -5841,10 +6184,10 @@
       </p:pic>
       <p:pic>
         <p:nvPicPr>
-          <p:cNvPr id="1026" name="Picture 2">
-            <a:extLst>
-              <a:ext uri="{FF2B5EF4-FFF2-40B4-BE49-F238E27FC236}">
-                <a16:creationId xmlns:a16="http://schemas.microsoft.com/office/drawing/2014/main" id="{C6D4E9E9-0712-A713-9D16-8A113E389B9A}"/>
+          <p:cNvPr id="2050" name="Picture 2">
+            <a:extLst>
+              <a:ext uri="{FF2B5EF4-FFF2-40B4-BE49-F238E27FC236}">
+                <a16:creationId xmlns:a16="http://schemas.microsoft.com/office/drawing/2014/main" id="{EC3308D3-C764-7B18-C848-4BB41A4F1D09}"/>
               </a:ext>
             </a:extLst>
           </p:cNvPr>
@@ -5868,8 +6211,8 @@
         </p:blipFill>
         <p:spPr bwMode="auto">
           <a:xfrm>
-            <a:off x="6389410" y="2255994"/>
-            <a:ext cx="3403289" cy="2665630"/>
+            <a:off x="6252603" y="1896422"/>
+            <a:ext cx="3913374" cy="3065155"/>
           </a:xfrm>
           <a:prstGeom prst="rect">
             <a:avLst/>

--- a/20240402 NF Update - Fig 5.pptx
+++ b/20240402 NF Update - Fig 5.pptx
@@ -10,8 +10,8 @@
     <p:sldId id="258" r:id="rId4"/>
     <p:sldId id="259" r:id="rId5"/>
     <p:sldId id="260" r:id="rId6"/>
-    <p:sldId id="262" r:id="rId7"/>
-    <p:sldId id="261" r:id="rId8"/>
+    <p:sldId id="261" r:id="rId7"/>
+    <p:sldId id="262" r:id="rId8"/>
   </p:sldIdLst>
   <p:sldSz cx="12192000" cy="6858000"/>
   <p:notesSz cx="6858000" cy="9144000"/>
@@ -265,7 +265,7 @@
           <a:p>
             <a:fld id="{9E0FCFD6-FF58-4173-9A24-3CED4CAA6438}" type="datetimeFigureOut">
               <a:rPr lang="en-US" smtClean="0"/>
-              <a:t>4/3/2024</a:t>
+              <a:t>4/4/2024</a:t>
             </a:fld>
             <a:endParaRPr lang="en-US"/>
           </a:p>
@@ -463,7 +463,7 @@
           <a:p>
             <a:fld id="{9E0FCFD6-FF58-4173-9A24-3CED4CAA6438}" type="datetimeFigureOut">
               <a:rPr lang="en-US" smtClean="0"/>
-              <a:t>4/3/2024</a:t>
+              <a:t>4/4/2024</a:t>
             </a:fld>
             <a:endParaRPr lang="en-US"/>
           </a:p>
@@ -671,7 +671,7 @@
           <a:p>
             <a:fld id="{9E0FCFD6-FF58-4173-9A24-3CED4CAA6438}" type="datetimeFigureOut">
               <a:rPr lang="en-US" smtClean="0"/>
-              <a:t>4/3/2024</a:t>
+              <a:t>4/4/2024</a:t>
             </a:fld>
             <a:endParaRPr lang="en-US"/>
           </a:p>
@@ -869,7 +869,7 @@
           <a:p>
             <a:fld id="{9E0FCFD6-FF58-4173-9A24-3CED4CAA6438}" type="datetimeFigureOut">
               <a:rPr lang="en-US" smtClean="0"/>
-              <a:t>4/3/2024</a:t>
+              <a:t>4/4/2024</a:t>
             </a:fld>
             <a:endParaRPr lang="en-US"/>
           </a:p>
@@ -1144,7 +1144,7 @@
           <a:p>
             <a:fld id="{9E0FCFD6-FF58-4173-9A24-3CED4CAA6438}" type="datetimeFigureOut">
               <a:rPr lang="en-US" smtClean="0"/>
-              <a:t>4/3/2024</a:t>
+              <a:t>4/4/2024</a:t>
             </a:fld>
             <a:endParaRPr lang="en-US"/>
           </a:p>
@@ -1409,7 +1409,7 @@
           <a:p>
             <a:fld id="{9E0FCFD6-FF58-4173-9A24-3CED4CAA6438}" type="datetimeFigureOut">
               <a:rPr lang="en-US" smtClean="0"/>
-              <a:t>4/3/2024</a:t>
+              <a:t>4/4/2024</a:t>
             </a:fld>
             <a:endParaRPr lang="en-US"/>
           </a:p>
@@ -1821,7 +1821,7 @@
           <a:p>
             <a:fld id="{9E0FCFD6-FF58-4173-9A24-3CED4CAA6438}" type="datetimeFigureOut">
               <a:rPr lang="en-US" smtClean="0"/>
-              <a:t>4/3/2024</a:t>
+              <a:t>4/4/2024</a:t>
             </a:fld>
             <a:endParaRPr lang="en-US"/>
           </a:p>
@@ -1962,7 +1962,7 @@
           <a:p>
             <a:fld id="{9E0FCFD6-FF58-4173-9A24-3CED4CAA6438}" type="datetimeFigureOut">
               <a:rPr lang="en-US" smtClean="0"/>
-              <a:t>4/3/2024</a:t>
+              <a:t>4/4/2024</a:t>
             </a:fld>
             <a:endParaRPr lang="en-US"/>
           </a:p>
@@ -2075,7 +2075,7 @@
           <a:p>
             <a:fld id="{9E0FCFD6-FF58-4173-9A24-3CED4CAA6438}" type="datetimeFigureOut">
               <a:rPr lang="en-US" smtClean="0"/>
-              <a:t>4/3/2024</a:t>
+              <a:t>4/4/2024</a:t>
             </a:fld>
             <a:endParaRPr lang="en-US"/>
           </a:p>
@@ -2386,7 +2386,7 @@
           <a:p>
             <a:fld id="{9E0FCFD6-FF58-4173-9A24-3CED4CAA6438}" type="datetimeFigureOut">
               <a:rPr lang="en-US" smtClean="0"/>
-              <a:t>4/3/2024</a:t>
+              <a:t>4/4/2024</a:t>
             </a:fld>
             <a:endParaRPr lang="en-US"/>
           </a:p>
@@ -2674,7 +2674,7 @@
           <a:p>
             <a:fld id="{9E0FCFD6-FF58-4173-9A24-3CED4CAA6438}" type="datetimeFigureOut">
               <a:rPr lang="en-US" smtClean="0"/>
-              <a:t>4/3/2024</a:t>
+              <a:t>4/4/2024</a:t>
             </a:fld>
             <a:endParaRPr lang="en-US"/>
           </a:p>
@@ -2915,7 +2915,7 @@
           <a:p>
             <a:fld id="{9E0FCFD6-FF58-4173-9A24-3CED4CAA6438}" type="datetimeFigureOut">
               <a:rPr lang="en-US" smtClean="0"/>
-              <a:t>4/3/2024</a:t>
+              <a:t>4/4/2024</a:t>
             </a:fld>
             <a:endParaRPr lang="en-US"/>
           </a:p>
@@ -3457,8 +3457,12 @@
           <a:lstStyle/>
           <a:p>
             <a:r>
+              <a:rPr lang="en-US" dirty="0" err="1"/>
+              <a:t>Mshuf</a:t>
+            </a:r>
+            <a:r>
               <a:rPr lang="en-US" dirty="0"/>
-              <a:t>Charge distributions</a:t>
+              <a:t> Charge distributions</a:t>
             </a:r>
           </a:p>
         </p:txBody>
@@ -4212,8 +4216,12 @@
           <a:lstStyle/>
           <a:p>
             <a:r>
+              <a:rPr lang="en-US" dirty="0" err="1"/>
+              <a:t>Mshuf</a:t>
+            </a:r>
+            <a:r>
               <a:rPr lang="en-US" dirty="0"/>
-              <a:t>Height response</a:t>
+              <a:t> Height response</a:t>
             </a:r>
           </a:p>
         </p:txBody>
@@ -4467,8 +4475,12 @@
           <a:lstStyle/>
           <a:p>
             <a:r>
+              <a:rPr lang="en-US" dirty="0" err="1"/>
+              <a:t>Mshuf</a:t>
+            </a:r>
+            <a:r>
               <a:rPr lang="en-US" dirty="0"/>
-              <a:t>Morphologies  </a:t>
+              <a:t> Morphologies  </a:t>
             </a:r>
             <a:r>
               <a:rPr lang="en-US" sz="2000" dirty="0"/>
@@ -5154,8 +5166,13 @@
           <a:p>
             <a:r>
               <a:rPr lang="en-US" dirty="0"/>
-              <a:t>D6</a:t>
-            </a:r>
+              <a:t>HD6 Charge </a:t>
+            </a:r>
+            <a:r>
+              <a:rPr lang="en-US" dirty="0" err="1"/>
+              <a:t>dists</a:t>
+            </a:r>
+            <a:endParaRPr lang="en-US" dirty="0"/>
           </a:p>
         </p:txBody>
       </p:sp>
@@ -5173,7 +5190,7 @@
         </p:nvGrpSpPr>
         <p:grpSpPr>
           <a:xfrm>
-            <a:off x="686494" y="2348752"/>
+            <a:off x="2192564" y="1586342"/>
             <a:ext cx="2709791" cy="2160495"/>
             <a:chOff x="4850873" y="998248"/>
             <a:chExt cx="3488794" cy="2781588"/>
@@ -5263,214 +5280,6 @@
           </p:txBody>
         </p:sp>
       </p:grpSp>
-      <p:grpSp>
-        <p:nvGrpSpPr>
-          <p:cNvPr id="6" name="Group 5">
-            <a:extLst>
-              <a:ext uri="{FF2B5EF4-FFF2-40B4-BE49-F238E27FC236}">
-                <a16:creationId xmlns:a16="http://schemas.microsoft.com/office/drawing/2014/main" id="{CEDE0966-440E-5554-EE8D-538ED4E73121}"/>
-              </a:ext>
-            </a:extLst>
-          </p:cNvPr>
-          <p:cNvGrpSpPr/>
-          <p:nvPr/>
-        </p:nvGrpSpPr>
-        <p:grpSpPr>
-          <a:xfrm>
-            <a:off x="5383090" y="-274301"/>
-            <a:ext cx="3750529" cy="2017063"/>
-            <a:chOff x="5659863" y="3899416"/>
-            <a:chExt cx="4827305" cy="2596162"/>
-          </a:xfrm>
-        </p:grpSpPr>
-        <p:pic>
-          <p:nvPicPr>
-            <p:cNvPr id="7" name="Picture 4">
-              <a:extLst>
-                <a:ext uri="{FF2B5EF4-FFF2-40B4-BE49-F238E27FC236}">
-                  <a16:creationId xmlns:a16="http://schemas.microsoft.com/office/drawing/2014/main" id="{6DA4BCF1-1331-1436-BA5B-E1980A928F17}"/>
-                </a:ext>
-              </a:extLst>
-            </p:cNvPr>
-            <p:cNvPicPr>
-              <a:picLocks noChangeAspect="1" noChangeArrowheads="1"/>
-            </p:cNvPicPr>
-            <p:nvPr/>
-          </p:nvPicPr>
-          <p:blipFill>
-            <a:blip r:embed="rId3">
-              <a:extLst>
-                <a:ext uri="{28A0092B-C50C-407E-A947-70E740481C1C}">
-                  <a14:useLocalDpi xmlns:a14="http://schemas.microsoft.com/office/drawing/2010/main" val="0"/>
-                </a:ext>
-              </a:extLst>
-            </a:blip>
-            <a:srcRect/>
-            <a:stretch>
-              <a:fillRect/>
-            </a:stretch>
-          </p:blipFill>
-          <p:spPr bwMode="auto">
-            <a:xfrm>
-              <a:off x="5659863" y="3899416"/>
-              <a:ext cx="3487773" cy="2596162"/>
-            </a:xfrm>
-            <a:prstGeom prst="rect">
-              <a:avLst/>
-            </a:prstGeom>
-            <a:noFill/>
-            <a:extLst>
-              <a:ext uri="{909E8E84-426E-40DD-AFC4-6F175D3DCCD1}">
-                <a14:hiddenFill xmlns:a14="http://schemas.microsoft.com/office/drawing/2010/main">
-                  <a:solidFill>
-                    <a:srgbClr val="FFFFFF"/>
-                  </a:solidFill>
-                </a14:hiddenFill>
-              </a:ext>
-            </a:extLst>
-          </p:spPr>
-        </p:pic>
-        <p:sp>
-          <p:nvSpPr>
-            <p:cNvPr id="8" name="TextBox 7">
-              <a:extLst>
-                <a:ext uri="{FF2B5EF4-FFF2-40B4-BE49-F238E27FC236}">
-                  <a16:creationId xmlns:a16="http://schemas.microsoft.com/office/drawing/2014/main" id="{FBE27F0D-DDD7-A4B0-5E0F-2DE8CD4029BA}"/>
-                </a:ext>
-              </a:extLst>
-            </p:cNvPr>
-            <p:cNvSpPr txBox="1"/>
-            <p:nvPr/>
-          </p:nvSpPr>
-          <p:spPr>
-            <a:xfrm>
-              <a:off x="9142391" y="4792526"/>
-              <a:ext cx="1344777" cy="475367"/>
-            </a:xfrm>
-            <a:prstGeom prst="rect">
-              <a:avLst/>
-            </a:prstGeom>
-            <a:noFill/>
-          </p:spPr>
-          <p:txBody>
-            <a:bodyPr wrap="square" rtlCol="0">
-              <a:spAutoFit/>
-            </a:bodyPr>
-            <a:lstStyle/>
-            <a:p>
-              <a:pPr algn="ctr"/>
-              <a:r>
-                <a:rPr lang="en-US" dirty="0"/>
-                <a:t>NFH_DE</a:t>
-              </a:r>
-            </a:p>
-          </p:txBody>
-        </p:sp>
-      </p:grpSp>
-      <p:grpSp>
-        <p:nvGrpSpPr>
-          <p:cNvPr id="13" name="Group 12">
-            <a:extLst>
-              <a:ext uri="{FF2B5EF4-FFF2-40B4-BE49-F238E27FC236}">
-                <a16:creationId xmlns:a16="http://schemas.microsoft.com/office/drawing/2014/main" id="{080B01BE-3983-355D-31B2-58E7B30113F6}"/>
-              </a:ext>
-            </a:extLst>
-          </p:cNvPr>
-          <p:cNvGrpSpPr/>
-          <p:nvPr/>
-        </p:nvGrpSpPr>
-        <p:grpSpPr>
-          <a:xfrm>
-            <a:off x="5339914" y="1444823"/>
-            <a:ext cx="3897026" cy="2016304"/>
-            <a:chOff x="5467700" y="3056965"/>
-            <a:chExt cx="3897026" cy="2016304"/>
-          </a:xfrm>
-        </p:grpSpPr>
-        <p:pic>
-          <p:nvPicPr>
-            <p:cNvPr id="10" name="Picture 8">
-              <a:extLst>
-                <a:ext uri="{FF2B5EF4-FFF2-40B4-BE49-F238E27FC236}">
-                  <a16:creationId xmlns:a16="http://schemas.microsoft.com/office/drawing/2014/main" id="{84AA54F2-14F1-3AEA-F51B-05C597C4B204}"/>
-                </a:ext>
-              </a:extLst>
-            </p:cNvPr>
-            <p:cNvPicPr>
-              <a:picLocks noChangeAspect="1" noChangeArrowheads="1"/>
-            </p:cNvPicPr>
-            <p:nvPr/>
-          </p:nvPicPr>
-          <p:blipFill>
-            <a:blip r:embed="rId4">
-              <a:extLst>
-                <a:ext uri="{28A0092B-C50C-407E-A947-70E740481C1C}">
-                  <a14:useLocalDpi xmlns:a14="http://schemas.microsoft.com/office/drawing/2010/main" val="0"/>
-                </a:ext>
-              </a:extLst>
-            </a:blip>
-            <a:srcRect/>
-            <a:stretch>
-              <a:fillRect/>
-            </a:stretch>
-          </p:blipFill>
-          <p:spPr bwMode="auto">
-            <a:xfrm>
-              <a:off x="5467700" y="3056965"/>
-              <a:ext cx="2708772" cy="2016304"/>
-            </a:xfrm>
-            <a:prstGeom prst="rect">
-              <a:avLst/>
-            </a:prstGeom>
-            <a:noFill/>
-            <a:extLst>
-              <a:ext uri="{909E8E84-426E-40DD-AFC4-6F175D3DCCD1}">
-                <a14:hiddenFill xmlns:a14="http://schemas.microsoft.com/office/drawing/2010/main">
-                  <a:solidFill>
-                    <a:srgbClr val="FFFFFF"/>
-                  </a:solidFill>
-                </a14:hiddenFill>
-              </a:ext>
-            </a:extLst>
-          </p:spPr>
-        </p:pic>
-        <p:sp>
-          <p:nvSpPr>
-            <p:cNvPr id="12" name="TextBox 11">
-              <a:extLst>
-                <a:ext uri="{FF2B5EF4-FFF2-40B4-BE49-F238E27FC236}">
-                  <a16:creationId xmlns:a16="http://schemas.microsoft.com/office/drawing/2014/main" id="{157BF48D-0D3C-2542-F248-F308F5FCA962}"/>
-                </a:ext>
-              </a:extLst>
-            </p:cNvPr>
-            <p:cNvSpPr txBox="1"/>
-            <p:nvPr/>
-          </p:nvSpPr>
-          <p:spPr>
-            <a:xfrm>
-              <a:off x="8099206" y="3704901"/>
-              <a:ext cx="1265520" cy="369332"/>
-            </a:xfrm>
-            <a:prstGeom prst="rect">
-              <a:avLst/>
-            </a:prstGeom>
-            <a:noFill/>
-          </p:spPr>
-          <p:txBody>
-            <a:bodyPr wrap="square" rtlCol="0">
-              <a:spAutoFit/>
-            </a:bodyPr>
-            <a:lstStyle/>
-            <a:p>
-              <a:pPr algn="ctr"/>
-              <a:r>
-                <a:rPr lang="en-US" dirty="0"/>
-                <a:t>NFH_DE-2</a:t>
-              </a:r>
-            </a:p>
-          </p:txBody>
-        </p:sp>
-      </p:grpSp>
       <p:cxnSp>
         <p:nvCxnSpPr>
           <p:cNvPr id="15" name="Straight Arrow Connector 14">
@@ -5485,7 +5294,7 @@
         </p:nvCxnSpPr>
         <p:spPr>
           <a:xfrm>
-            <a:off x="3621576" y="3429000"/>
+            <a:off x="5306941" y="3662082"/>
             <a:ext cx="1055261" cy="0"/>
           </a:xfrm>
           <a:prstGeom prst="straightConnector1">
@@ -5512,10 +5321,10 @@
       </p:cxnSp>
       <p:grpSp>
         <p:nvGrpSpPr>
-          <p:cNvPr id="19" name="Group 18">
-            <a:extLst>
-              <a:ext uri="{FF2B5EF4-FFF2-40B4-BE49-F238E27FC236}">
-                <a16:creationId xmlns:a16="http://schemas.microsoft.com/office/drawing/2014/main" id="{7A60D6AB-9F3A-B419-4FD8-A96251EF75CA}"/>
+          <p:cNvPr id="18" name="Group 17">
+            <a:extLst>
+              <a:ext uri="{FF2B5EF4-FFF2-40B4-BE49-F238E27FC236}">
+                <a16:creationId xmlns:a16="http://schemas.microsoft.com/office/drawing/2014/main" id="{B5EDF6F0-0295-B422-8F8A-F6C92BBB7AFB}"/>
               </a:ext>
             </a:extLst>
           </p:cNvPr>
@@ -5524,114 +5333,10 @@
         </p:nvGrpSpPr>
         <p:grpSpPr>
           <a:xfrm>
-            <a:off x="5339914" y="3182052"/>
-            <a:ext cx="3931116" cy="2017063"/>
-            <a:chOff x="5456183" y="4840937"/>
-            <a:chExt cx="3931116" cy="2017063"/>
-          </a:xfrm>
-        </p:grpSpPr>
-        <p:pic>
-          <p:nvPicPr>
-            <p:cNvPr id="2052" name="Picture 4">
-              <a:extLst>
-                <a:ext uri="{FF2B5EF4-FFF2-40B4-BE49-F238E27FC236}">
-                  <a16:creationId xmlns:a16="http://schemas.microsoft.com/office/drawing/2014/main" id="{163F9B59-31D3-97A9-D4F0-C116E8FAF9AD}"/>
-                </a:ext>
-              </a:extLst>
-            </p:cNvPr>
-            <p:cNvPicPr>
-              <a:picLocks noChangeAspect="1" noChangeArrowheads="1"/>
-            </p:cNvPicPr>
-            <p:nvPr/>
-          </p:nvPicPr>
-          <p:blipFill>
-            <a:blip r:embed="rId5">
-              <a:extLst>
-                <a:ext uri="{28A0092B-C50C-407E-A947-70E740481C1C}">
-                  <a14:useLocalDpi xmlns:a14="http://schemas.microsoft.com/office/drawing/2010/main" val="0"/>
-                </a:ext>
-              </a:extLst>
-            </a:blip>
-            <a:srcRect/>
-            <a:stretch>
-              <a:fillRect/>
-            </a:stretch>
-          </p:blipFill>
-          <p:spPr bwMode="auto">
-            <a:xfrm>
-              <a:off x="5456183" y="4840937"/>
-              <a:ext cx="2705717" cy="2017063"/>
-            </a:xfrm>
-            <a:prstGeom prst="rect">
-              <a:avLst/>
-            </a:prstGeom>
-            <a:noFill/>
-            <a:extLst>
-              <a:ext uri="{909E8E84-426E-40DD-AFC4-6F175D3DCCD1}">
-                <a14:hiddenFill xmlns:a14="http://schemas.microsoft.com/office/drawing/2010/main">
-                  <a:solidFill>
-                    <a:srgbClr val="FFFFFF"/>
-                  </a:solidFill>
-                </a14:hiddenFill>
-              </a:ext>
-            </a:extLst>
-          </p:spPr>
-        </p:pic>
-        <p:sp>
-          <p:nvSpPr>
-            <p:cNvPr id="17" name="TextBox 16">
-              <a:extLst>
-                <a:ext uri="{FF2B5EF4-FFF2-40B4-BE49-F238E27FC236}">
-                  <a16:creationId xmlns:a16="http://schemas.microsoft.com/office/drawing/2014/main" id="{A6F795E3-E14E-ABC1-66BA-5C40483B4F2F}"/>
-                </a:ext>
-              </a:extLst>
-            </p:cNvPr>
-            <p:cNvSpPr txBox="1"/>
-            <p:nvPr/>
-          </p:nvSpPr>
-          <p:spPr>
-            <a:xfrm>
-              <a:off x="8121779" y="5517345"/>
-              <a:ext cx="1265520" cy="369332"/>
-            </a:xfrm>
-            <a:prstGeom prst="rect">
-              <a:avLst/>
-            </a:prstGeom>
-            <a:noFill/>
-          </p:spPr>
-          <p:txBody>
-            <a:bodyPr wrap="square" rtlCol="0">
-              <a:spAutoFit/>
-            </a:bodyPr>
-            <a:lstStyle/>
-            <a:p>
-              <a:pPr algn="ctr"/>
-              <a:r>
-                <a:rPr lang="en-US" dirty="0"/>
-                <a:t>NFH_DE-3</a:t>
-              </a:r>
-            </a:p>
-          </p:txBody>
-        </p:sp>
-      </p:grpSp>
-      <p:grpSp>
-        <p:nvGrpSpPr>
-          <p:cNvPr id="18" name="Group 17">
-            <a:extLst>
-              <a:ext uri="{FF2B5EF4-FFF2-40B4-BE49-F238E27FC236}">
-                <a16:creationId xmlns:a16="http://schemas.microsoft.com/office/drawing/2014/main" id="{B5EDF6F0-0295-B422-8F8A-F6C92BBB7AFB}"/>
-              </a:ext>
-            </a:extLst>
-          </p:cNvPr>
-          <p:cNvGrpSpPr/>
-          <p:nvPr/>
-        </p:nvGrpSpPr>
-        <p:grpSpPr>
-          <a:xfrm>
-            <a:off x="9276963" y="2245658"/>
-            <a:ext cx="2708772" cy="2276281"/>
-            <a:chOff x="8989276" y="2303870"/>
-            <a:chExt cx="2708772" cy="2276281"/>
+            <a:off x="6651389" y="3922726"/>
+            <a:ext cx="2844087" cy="2315420"/>
+            <a:chOff x="8890663" y="2303870"/>
+            <a:chExt cx="2844087" cy="2315420"/>
           </a:xfrm>
         </p:grpSpPr>
         <p:pic>
@@ -5649,7 +5354,7 @@
             <p:nvPr/>
           </p:nvPicPr>
           <p:blipFill>
-            <a:blip r:embed="rId6">
+            <a:blip r:embed="rId3">
               <a:extLst>
                 <a:ext uri="{28A0092B-C50C-407E-A947-70E740481C1C}">
                   <a14:useLocalDpi xmlns:a14="http://schemas.microsoft.com/office/drawing/2010/main" val="0"/>
@@ -5663,8 +5368,8 @@
           </p:blipFill>
           <p:spPr bwMode="auto">
             <a:xfrm>
-              <a:off x="8989276" y="2563847"/>
-              <a:ext cx="2708772" cy="2016304"/>
+              <a:off x="8890663" y="2502263"/>
+              <a:ext cx="2844087" cy="2117027"/>
             </a:xfrm>
             <a:prstGeom prst="rect">
               <a:avLst/>
@@ -5733,10 +5438,965 @@
         </p:nvGrpSpPr>
         <p:grpSpPr>
           <a:xfrm>
-            <a:off x="5231439" y="4857496"/>
-            <a:ext cx="4119450" cy="2124354"/>
+            <a:off x="6719047" y="1491465"/>
+            <a:ext cx="2853930" cy="2377004"/>
+            <a:chOff x="4743141" y="2903208"/>
+            <a:chExt cx="2853930" cy="2377004"/>
+          </a:xfrm>
+        </p:grpSpPr>
+        <p:pic>
+          <p:nvPicPr>
+            <p:cNvPr id="21" name="Picture 2">
+              <a:extLst>
+                <a:ext uri="{FF2B5EF4-FFF2-40B4-BE49-F238E27FC236}">
+                  <a16:creationId xmlns:a16="http://schemas.microsoft.com/office/drawing/2014/main" id="{4CA89550-4687-F6E2-A921-B705E271D963}"/>
+                </a:ext>
+              </a:extLst>
+            </p:cNvPr>
+            <p:cNvPicPr>
+              <a:picLocks noChangeAspect="1" noChangeArrowheads="1"/>
+            </p:cNvPicPr>
+            <p:nvPr/>
+          </p:nvPicPr>
+          <p:blipFill>
+            <a:blip r:embed="rId4">
+              <a:extLst>
+                <a:ext uri="{28A0092B-C50C-407E-A947-70E740481C1C}">
+                  <a14:useLocalDpi xmlns:a14="http://schemas.microsoft.com/office/drawing/2010/main" val="0"/>
+                </a:ext>
+              </a:extLst>
+            </a:blip>
+            <a:srcRect/>
+            <a:stretch>
+              <a:fillRect/>
+            </a:stretch>
+          </p:blipFill>
+          <p:spPr bwMode="auto">
+            <a:xfrm>
+              <a:off x="4743141" y="3155858"/>
+              <a:ext cx="2853930" cy="2124354"/>
+            </a:xfrm>
+            <a:prstGeom prst="rect">
+              <a:avLst/>
+            </a:prstGeom>
+            <a:noFill/>
+            <a:extLst>
+              <a:ext uri="{909E8E84-426E-40DD-AFC4-6F175D3DCCD1}">
+                <a14:hiddenFill xmlns:a14="http://schemas.microsoft.com/office/drawing/2010/main">
+                  <a:solidFill>
+                    <a:srgbClr val="FFFFFF"/>
+                  </a:solidFill>
+                </a14:hiddenFill>
+              </a:ext>
+            </a:extLst>
+          </p:spPr>
+        </p:pic>
+        <p:sp>
+          <p:nvSpPr>
+            <p:cNvPr id="22" name="TextBox 21">
+              <a:extLst>
+                <a:ext uri="{FF2B5EF4-FFF2-40B4-BE49-F238E27FC236}">
+                  <a16:creationId xmlns:a16="http://schemas.microsoft.com/office/drawing/2014/main" id="{23E2DBF0-7527-0350-8678-4589108B123A}"/>
+                </a:ext>
+              </a:extLst>
+            </p:cNvPr>
+            <p:cNvSpPr txBox="1"/>
+            <p:nvPr/>
+          </p:nvSpPr>
+          <p:spPr>
+            <a:xfrm>
+              <a:off x="5464767" y="2903208"/>
+              <a:ext cx="1265520" cy="369332"/>
+            </a:xfrm>
+            <a:prstGeom prst="rect">
+              <a:avLst/>
+            </a:prstGeom>
+            <a:noFill/>
+          </p:spPr>
+          <p:txBody>
+            <a:bodyPr wrap="square" rtlCol="0">
+              <a:spAutoFit/>
+            </a:bodyPr>
+            <a:lstStyle/>
+            <a:p>
+              <a:pPr algn="ctr"/>
+              <a:r>
+                <a:rPr lang="en-US" dirty="0"/>
+                <a:t>NFH_DE-4</a:t>
+              </a:r>
+            </a:p>
+          </p:txBody>
+        </p:sp>
+      </p:grpSp>
+      <p:grpSp>
+        <p:nvGrpSpPr>
+          <p:cNvPr id="14" name="Group 13">
+            <a:extLst>
+              <a:ext uri="{FF2B5EF4-FFF2-40B4-BE49-F238E27FC236}">
+                <a16:creationId xmlns:a16="http://schemas.microsoft.com/office/drawing/2014/main" id="{477128A5-1C7C-55A8-3734-67A5FBE8F5A6}"/>
+              </a:ext>
+            </a:extLst>
+          </p:cNvPr>
+          <p:cNvGrpSpPr/>
+          <p:nvPr/>
+        </p:nvGrpSpPr>
+        <p:grpSpPr>
+          <a:xfrm>
+            <a:off x="2063869" y="3868469"/>
+            <a:ext cx="2853930" cy="2331745"/>
+            <a:chOff x="681978" y="4006811"/>
+            <a:chExt cx="2853930" cy="2331745"/>
+          </a:xfrm>
+        </p:grpSpPr>
+        <p:pic>
+          <p:nvPicPr>
+            <p:cNvPr id="9" name="Picture 2">
+              <a:extLst>
+                <a:ext uri="{FF2B5EF4-FFF2-40B4-BE49-F238E27FC236}">
+                  <a16:creationId xmlns:a16="http://schemas.microsoft.com/office/drawing/2014/main" id="{B7F6A609-7AFD-AA50-725B-36BB4219CDEE}"/>
+                </a:ext>
+              </a:extLst>
+            </p:cNvPr>
+            <p:cNvPicPr>
+              <a:picLocks noChangeAspect="1" noChangeArrowheads="1"/>
+            </p:cNvPicPr>
+            <p:nvPr/>
+          </p:nvPicPr>
+          <p:blipFill>
+            <a:blip r:embed="rId5">
+              <a:extLst>
+                <a:ext uri="{28A0092B-C50C-407E-A947-70E740481C1C}">
+                  <a14:useLocalDpi xmlns:a14="http://schemas.microsoft.com/office/drawing/2010/main" val="0"/>
+                </a:ext>
+              </a:extLst>
+            </a:blip>
+            <a:srcRect/>
+            <a:stretch>
+              <a:fillRect/>
+            </a:stretch>
+          </p:blipFill>
+          <p:spPr bwMode="auto">
+            <a:xfrm>
+              <a:off x="681978" y="4214202"/>
+              <a:ext cx="2853930" cy="2124354"/>
+            </a:xfrm>
+            <a:prstGeom prst="rect">
+              <a:avLst/>
+            </a:prstGeom>
+            <a:noFill/>
+            <a:extLst>
+              <a:ext uri="{909E8E84-426E-40DD-AFC4-6F175D3DCCD1}">
+                <a14:hiddenFill xmlns:a14="http://schemas.microsoft.com/office/drawing/2010/main">
+                  <a:solidFill>
+                    <a:srgbClr val="FFFFFF"/>
+                  </a:solidFill>
+                </a14:hiddenFill>
+              </a:ext>
+            </a:extLst>
+          </p:spPr>
+        </p:pic>
+        <p:sp>
+          <p:nvSpPr>
+            <p:cNvPr id="11" name="TextBox 10">
+              <a:extLst>
+                <a:ext uri="{FF2B5EF4-FFF2-40B4-BE49-F238E27FC236}">
+                  <a16:creationId xmlns:a16="http://schemas.microsoft.com/office/drawing/2014/main" id="{71CEE169-B540-5880-663D-E7FDF9F715FE}"/>
+                </a:ext>
+              </a:extLst>
+            </p:cNvPr>
+            <p:cNvSpPr txBox="1"/>
+            <p:nvPr/>
+          </p:nvSpPr>
+          <p:spPr>
+            <a:xfrm>
+              <a:off x="1637286" y="4006811"/>
+              <a:ext cx="769412" cy="338554"/>
+            </a:xfrm>
+            <a:prstGeom prst="rect">
+              <a:avLst/>
+            </a:prstGeom>
+            <a:noFill/>
+          </p:spPr>
+          <p:txBody>
+            <a:bodyPr wrap="square" rtlCol="0">
+              <a:spAutoFit/>
+            </a:bodyPr>
+            <a:lstStyle/>
+            <a:p>
+              <a:pPr algn="ctr"/>
+              <a:r>
+                <a:rPr lang="en-US" sz="1600" dirty="0" err="1"/>
+                <a:t>pNFH</a:t>
+              </a:r>
+              <a:endParaRPr lang="en-US" sz="1600" dirty="0"/>
+            </a:p>
+          </p:txBody>
+        </p:sp>
+      </p:grpSp>
+    </p:spTree>
+    <p:extLst>
+      <p:ext uri="{BB962C8B-B14F-4D97-AF65-F5344CB8AC3E}">
+        <p14:creationId xmlns:p14="http://schemas.microsoft.com/office/powerpoint/2010/main" val="2892405498"/>
+      </p:ext>
+    </p:extLst>
+  </p:cSld>
+  <p:clrMapOvr>
+    <a:masterClrMapping/>
+  </p:clrMapOvr>
+</p:sld>
+</file>
+
+<file path=ppt/slides/slide6.xml><?xml version="1.0" encoding="utf-8"?>
+<p:sld xmlns:a="http://schemas.openxmlformats.org/drawingml/2006/main" xmlns:r="http://schemas.openxmlformats.org/officeDocument/2006/relationships" xmlns:p="http://schemas.openxmlformats.org/presentationml/2006/main">
+  <p:cSld>
+    <p:spTree>
+      <p:nvGrpSpPr>
+        <p:cNvPr id="1" name=""/>
+        <p:cNvGrpSpPr/>
+        <p:nvPr/>
+      </p:nvGrpSpPr>
+      <p:grpSpPr>
+        <a:xfrm>
+          <a:off x="0" y="0"/>
+          <a:ext cx="0" cy="0"/>
+          <a:chOff x="0" y="0"/>
+          <a:chExt cx="0" cy="0"/>
+        </a:xfrm>
+      </p:grpSpPr>
+      <p:sp>
+        <p:nvSpPr>
+          <p:cNvPr id="2" name="Title 1">
+            <a:extLst>
+              <a:ext uri="{FF2B5EF4-FFF2-40B4-BE49-F238E27FC236}">
+                <a16:creationId xmlns:a16="http://schemas.microsoft.com/office/drawing/2014/main" id="{167C802B-8A16-9561-820B-BB63D8E24CB3}"/>
+              </a:ext>
+            </a:extLst>
+          </p:cNvPr>
+          <p:cNvSpPr>
+            <a:spLocks noGrp="1"/>
+          </p:cNvSpPr>
+          <p:nvPr>
+            <p:ph type="title"/>
+          </p:nvPr>
+        </p:nvSpPr>
+        <p:spPr>
+          <a:xfrm>
+            <a:off x="0" y="0"/>
+            <a:ext cx="10515600" cy="1325563"/>
+          </a:xfrm>
+        </p:spPr>
+        <p:txBody>
+          <a:bodyPr/>
+          <a:lstStyle/>
+          <a:p>
+            <a:r>
+              <a:rPr lang="en-US" dirty="0"/>
+              <a:t>Height response</a:t>
+            </a:r>
+          </a:p>
+        </p:txBody>
+      </p:sp>
+      <p:pic>
+        <p:nvPicPr>
+          <p:cNvPr id="16" name="Picture 2">
+            <a:extLst>
+              <a:ext uri="{FF2B5EF4-FFF2-40B4-BE49-F238E27FC236}">
+                <a16:creationId xmlns:a16="http://schemas.microsoft.com/office/drawing/2014/main" id="{387FDCD7-2AB8-D944-140B-CB014F7F8B3D}"/>
+              </a:ext>
+            </a:extLst>
+          </p:cNvPr>
+          <p:cNvPicPr>
+            <a:picLocks noChangeAspect="1" noChangeArrowheads="1"/>
+          </p:cNvPicPr>
+          <p:nvPr/>
+        </p:nvPicPr>
+        <p:blipFill rotWithShape="1">
+          <a:blip r:embed="rId2">
+            <a:extLst>
+              <a:ext uri="{28A0092B-C50C-407E-A947-70E740481C1C}">
+                <a14:useLocalDpi xmlns:a14="http://schemas.microsoft.com/office/drawing/2010/main" val="0"/>
+              </a:ext>
+            </a:extLst>
+          </a:blip>
+          <a:srcRect t="55984" r="71065"/>
+          <a:stretch/>
+        </p:blipFill>
+        <p:spPr bwMode="auto">
+          <a:xfrm>
+            <a:off x="2605638" y="1920015"/>
+            <a:ext cx="2652162" cy="3627570"/>
+          </a:xfrm>
+          <a:prstGeom prst="rect">
+            <a:avLst/>
+          </a:prstGeom>
+          <a:noFill/>
+          <a:ln>
+            <a:noFill/>
+          </a:ln>
+          <a:extLst>
+            <a:ext uri="{909E8E84-426E-40DD-AFC4-6F175D3DCCD1}">
+              <a14:hiddenFill xmlns:a14="http://schemas.microsoft.com/office/drawing/2010/main">
+                <a:solidFill>
+                  <a:srgbClr val="FFFFFF"/>
+                </a:solidFill>
+              </a14:hiddenFill>
+            </a:ext>
+            <a:ext uri="{91240B29-F687-4F45-9708-019B960494DF}">
+              <a14:hiddenLine xmlns:a14="http://schemas.microsoft.com/office/drawing/2010/main" w="9525">
+                <a:solidFill>
+                  <a:srgbClr val="000000"/>
+                </a:solidFill>
+                <a:miter lim="800000"/>
+                <a:headEnd/>
+                <a:tailEnd/>
+              </a14:hiddenLine>
+            </a:ext>
+          </a:extLst>
+        </p:spPr>
+      </p:pic>
+    </p:spTree>
+    <p:extLst>
+      <p:ext uri="{BB962C8B-B14F-4D97-AF65-F5344CB8AC3E}">
+        <p14:creationId xmlns:p14="http://schemas.microsoft.com/office/powerpoint/2010/main" val="1185364547"/>
+      </p:ext>
+    </p:extLst>
+  </p:cSld>
+  <p:clrMapOvr>
+    <a:masterClrMapping/>
+  </p:clrMapOvr>
+</p:sld>
+</file>
+
+<file path=ppt/slides/slide7.xml><?xml version="1.0" encoding="utf-8"?>
+<p:sld xmlns:a="http://schemas.openxmlformats.org/drawingml/2006/main" xmlns:r="http://schemas.openxmlformats.org/officeDocument/2006/relationships" xmlns:p="http://schemas.openxmlformats.org/presentationml/2006/main">
+  <p:cSld>
+    <p:spTree>
+      <p:nvGrpSpPr>
+        <p:cNvPr id="1" name=""/>
+        <p:cNvGrpSpPr/>
+        <p:nvPr/>
+      </p:nvGrpSpPr>
+      <p:grpSpPr>
+        <a:xfrm>
+          <a:off x="0" y="0"/>
+          <a:ext cx="0" cy="0"/>
+          <a:chOff x="0" y="0"/>
+          <a:chExt cx="0" cy="0"/>
+        </a:xfrm>
+      </p:grpSpPr>
+      <p:sp>
+        <p:nvSpPr>
+          <p:cNvPr id="2" name="Title 1">
+            <a:extLst>
+              <a:ext uri="{FF2B5EF4-FFF2-40B4-BE49-F238E27FC236}">
+                <a16:creationId xmlns:a16="http://schemas.microsoft.com/office/drawing/2014/main" id="{55CD79B8-908B-FF93-BC8E-E64B9BCA618A}"/>
+              </a:ext>
+            </a:extLst>
+          </p:cNvPr>
+          <p:cNvSpPr>
+            <a:spLocks noGrp="1"/>
+          </p:cNvSpPr>
+          <p:nvPr>
+            <p:ph type="title"/>
+          </p:nvPr>
+        </p:nvSpPr>
+        <p:spPr>
+          <a:xfrm>
+            <a:off x="0" y="0"/>
+            <a:ext cx="10515600" cy="1325563"/>
+          </a:xfrm>
+        </p:spPr>
+        <p:txBody>
+          <a:bodyPr/>
+          <a:lstStyle/>
+          <a:p>
+            <a:r>
+              <a:rPr lang="en-US" dirty="0"/>
+              <a:t>Temp - D6</a:t>
+            </a:r>
+          </a:p>
+        </p:txBody>
+      </p:sp>
+      <p:grpSp>
+        <p:nvGrpSpPr>
+          <p:cNvPr id="3" name="Group 2">
+            <a:extLst>
+              <a:ext uri="{FF2B5EF4-FFF2-40B4-BE49-F238E27FC236}">
+                <a16:creationId xmlns:a16="http://schemas.microsoft.com/office/drawing/2014/main" id="{F7D2EAA2-CEA8-3EF1-DAE4-53513CFDA8BE}"/>
+              </a:ext>
+            </a:extLst>
+          </p:cNvPr>
+          <p:cNvGrpSpPr/>
+          <p:nvPr/>
+        </p:nvGrpSpPr>
+        <p:grpSpPr>
+          <a:xfrm>
+            <a:off x="659562" y="1697965"/>
+            <a:ext cx="2709791" cy="2160495"/>
+            <a:chOff x="4850873" y="998248"/>
+            <a:chExt cx="3488794" cy="2781588"/>
+          </a:xfrm>
+        </p:grpSpPr>
+        <p:pic>
+          <p:nvPicPr>
+            <p:cNvPr id="4" name="Picture 4">
+              <a:extLst>
+                <a:ext uri="{FF2B5EF4-FFF2-40B4-BE49-F238E27FC236}">
+                  <a16:creationId xmlns:a16="http://schemas.microsoft.com/office/drawing/2014/main" id="{4E7696D2-670A-6A97-54C0-18070D872C09}"/>
+                </a:ext>
+              </a:extLst>
+            </p:cNvPr>
+            <p:cNvPicPr>
+              <a:picLocks noChangeAspect="1" noChangeArrowheads="1"/>
+            </p:cNvPicPr>
+            <p:nvPr/>
+          </p:nvPicPr>
+          <p:blipFill>
+            <a:blip r:embed="rId2">
+              <a:extLst>
+                <a:ext uri="{28A0092B-C50C-407E-A947-70E740481C1C}">
+                  <a14:useLocalDpi xmlns:a14="http://schemas.microsoft.com/office/drawing/2010/main" val="0"/>
+                </a:ext>
+              </a:extLst>
+            </a:blip>
+            <a:srcRect/>
+            <a:stretch>
+              <a:fillRect/>
+            </a:stretch>
+          </p:blipFill>
+          <p:spPr bwMode="auto">
+            <a:xfrm>
+              <a:off x="4850873" y="1182914"/>
+              <a:ext cx="3488794" cy="2596922"/>
+            </a:xfrm>
+            <a:prstGeom prst="rect">
+              <a:avLst/>
+            </a:prstGeom>
+            <a:noFill/>
+            <a:extLst>
+              <a:ext uri="{909E8E84-426E-40DD-AFC4-6F175D3DCCD1}">
+                <a14:hiddenFill xmlns:a14="http://schemas.microsoft.com/office/drawing/2010/main">
+                  <a:solidFill>
+                    <a:srgbClr val="FFFFFF"/>
+                  </a:solidFill>
+                </a14:hiddenFill>
+              </a:ext>
+            </a:extLst>
+          </p:spPr>
+        </p:pic>
+        <p:sp>
+          <p:nvSpPr>
+            <p:cNvPr id="5" name="TextBox 4">
+              <a:extLst>
+                <a:ext uri="{FF2B5EF4-FFF2-40B4-BE49-F238E27FC236}">
+                  <a16:creationId xmlns:a16="http://schemas.microsoft.com/office/drawing/2014/main" id="{F52556DF-952A-7876-8E2D-842BC48D7608}"/>
+                </a:ext>
+              </a:extLst>
+            </p:cNvPr>
+            <p:cNvSpPr txBox="1"/>
+            <p:nvPr/>
+          </p:nvSpPr>
+          <p:spPr>
+            <a:xfrm>
+              <a:off x="6017288" y="998248"/>
+              <a:ext cx="990600" cy="495385"/>
+            </a:xfrm>
+            <a:prstGeom prst="rect">
+              <a:avLst/>
+            </a:prstGeom>
+            <a:noFill/>
+          </p:spPr>
+          <p:txBody>
+            <a:bodyPr wrap="square" rtlCol="0">
+              <a:spAutoFit/>
+            </a:bodyPr>
+            <a:lstStyle/>
+            <a:p>
+              <a:pPr algn="ctr"/>
+              <a:r>
+                <a:rPr lang="en-US" sz="1600" dirty="0"/>
+                <a:t>NFH</a:t>
+              </a:r>
+            </a:p>
+          </p:txBody>
+        </p:sp>
+      </p:grpSp>
+      <p:grpSp>
+        <p:nvGrpSpPr>
+          <p:cNvPr id="6" name="Group 5">
+            <a:extLst>
+              <a:ext uri="{FF2B5EF4-FFF2-40B4-BE49-F238E27FC236}">
+                <a16:creationId xmlns:a16="http://schemas.microsoft.com/office/drawing/2014/main" id="{CEDE0966-440E-5554-EE8D-538ED4E73121}"/>
+              </a:ext>
+            </a:extLst>
+          </p:cNvPr>
+          <p:cNvGrpSpPr/>
+          <p:nvPr/>
+        </p:nvGrpSpPr>
+        <p:grpSpPr>
+          <a:xfrm>
+            <a:off x="4426690" y="70111"/>
+            <a:ext cx="3666412" cy="1891798"/>
+            <a:chOff x="5659863" y="3899416"/>
+            <a:chExt cx="5031507" cy="2596162"/>
+          </a:xfrm>
+        </p:grpSpPr>
+        <p:pic>
+          <p:nvPicPr>
+            <p:cNvPr id="7" name="Picture 4">
+              <a:extLst>
+                <a:ext uri="{FF2B5EF4-FFF2-40B4-BE49-F238E27FC236}">
+                  <a16:creationId xmlns:a16="http://schemas.microsoft.com/office/drawing/2014/main" id="{6DA4BCF1-1331-1436-BA5B-E1980A928F17}"/>
+                </a:ext>
+              </a:extLst>
+            </p:cNvPr>
+            <p:cNvPicPr>
+              <a:picLocks noChangeAspect="1" noChangeArrowheads="1"/>
+            </p:cNvPicPr>
+            <p:nvPr/>
+          </p:nvPicPr>
+          <p:blipFill>
+            <a:blip r:embed="rId3">
+              <a:extLst>
+                <a:ext uri="{28A0092B-C50C-407E-A947-70E740481C1C}">
+                  <a14:useLocalDpi xmlns:a14="http://schemas.microsoft.com/office/drawing/2010/main" val="0"/>
+                </a:ext>
+              </a:extLst>
+            </a:blip>
+            <a:srcRect/>
+            <a:stretch>
+              <a:fillRect/>
+            </a:stretch>
+          </p:blipFill>
+          <p:spPr bwMode="auto">
+            <a:xfrm>
+              <a:off x="5659863" y="3899416"/>
+              <a:ext cx="3487773" cy="2596162"/>
+            </a:xfrm>
+            <a:prstGeom prst="rect">
+              <a:avLst/>
+            </a:prstGeom>
+            <a:noFill/>
+            <a:extLst>
+              <a:ext uri="{909E8E84-426E-40DD-AFC4-6F175D3DCCD1}">
+                <a14:hiddenFill xmlns:a14="http://schemas.microsoft.com/office/drawing/2010/main">
+                  <a:solidFill>
+                    <a:srgbClr val="FFFFFF"/>
+                  </a:solidFill>
+                </a14:hiddenFill>
+              </a:ext>
+            </a:extLst>
+          </p:spPr>
+        </p:pic>
+        <p:sp>
+          <p:nvSpPr>
+            <p:cNvPr id="8" name="TextBox 7">
+              <a:extLst>
+                <a:ext uri="{FF2B5EF4-FFF2-40B4-BE49-F238E27FC236}">
+                  <a16:creationId xmlns:a16="http://schemas.microsoft.com/office/drawing/2014/main" id="{FBE27F0D-DDD7-A4B0-5E0F-2DE8CD4029BA}"/>
+                </a:ext>
+              </a:extLst>
+            </p:cNvPr>
+            <p:cNvSpPr txBox="1"/>
+            <p:nvPr/>
+          </p:nvSpPr>
+          <p:spPr>
+            <a:xfrm>
+              <a:off x="9142390" y="4792527"/>
+              <a:ext cx="1548980" cy="506844"/>
+            </a:xfrm>
+            <a:prstGeom prst="rect">
+              <a:avLst/>
+            </a:prstGeom>
+            <a:noFill/>
+          </p:spPr>
+          <p:txBody>
+            <a:bodyPr wrap="square" rtlCol="0">
+              <a:spAutoFit/>
+            </a:bodyPr>
+            <a:lstStyle/>
+            <a:p>
+              <a:pPr algn="ctr"/>
+              <a:r>
+                <a:rPr lang="en-US" dirty="0"/>
+                <a:t>NFH_DE</a:t>
+              </a:r>
+            </a:p>
+          </p:txBody>
+        </p:sp>
+      </p:grpSp>
+      <p:grpSp>
+        <p:nvGrpSpPr>
+          <p:cNvPr id="13" name="Group 12">
+            <a:extLst>
+              <a:ext uri="{FF2B5EF4-FFF2-40B4-BE49-F238E27FC236}">
+                <a16:creationId xmlns:a16="http://schemas.microsoft.com/office/drawing/2014/main" id="{080B01BE-3983-355D-31B2-58E7B30113F6}"/>
+              </a:ext>
+            </a:extLst>
+          </p:cNvPr>
+          <p:cNvGrpSpPr/>
+          <p:nvPr/>
+        </p:nvGrpSpPr>
+        <p:grpSpPr>
+          <a:xfrm>
+            <a:off x="4444369" y="1665925"/>
+            <a:ext cx="3802125" cy="1891087"/>
+            <a:chOff x="5467700" y="3056965"/>
+            <a:chExt cx="4053881" cy="2016304"/>
+          </a:xfrm>
+        </p:grpSpPr>
+        <p:pic>
+          <p:nvPicPr>
+            <p:cNvPr id="10" name="Picture 8">
+              <a:extLst>
+                <a:ext uri="{FF2B5EF4-FFF2-40B4-BE49-F238E27FC236}">
+                  <a16:creationId xmlns:a16="http://schemas.microsoft.com/office/drawing/2014/main" id="{84AA54F2-14F1-3AEA-F51B-05C597C4B204}"/>
+                </a:ext>
+              </a:extLst>
+            </p:cNvPr>
+            <p:cNvPicPr>
+              <a:picLocks noChangeAspect="1" noChangeArrowheads="1"/>
+            </p:cNvPicPr>
+            <p:nvPr/>
+          </p:nvPicPr>
+          <p:blipFill>
+            <a:blip r:embed="rId4">
+              <a:extLst>
+                <a:ext uri="{28A0092B-C50C-407E-A947-70E740481C1C}">
+                  <a14:useLocalDpi xmlns:a14="http://schemas.microsoft.com/office/drawing/2010/main" val="0"/>
+                </a:ext>
+              </a:extLst>
+            </a:blip>
+            <a:srcRect/>
+            <a:stretch>
+              <a:fillRect/>
+            </a:stretch>
+          </p:blipFill>
+          <p:spPr bwMode="auto">
+            <a:xfrm>
+              <a:off x="5467700" y="3056965"/>
+              <a:ext cx="2708772" cy="2016304"/>
+            </a:xfrm>
+            <a:prstGeom prst="rect">
+              <a:avLst/>
+            </a:prstGeom>
+            <a:noFill/>
+            <a:extLst>
+              <a:ext uri="{909E8E84-426E-40DD-AFC4-6F175D3DCCD1}">
+                <a14:hiddenFill xmlns:a14="http://schemas.microsoft.com/office/drawing/2010/main">
+                  <a:solidFill>
+                    <a:srgbClr val="FFFFFF"/>
+                  </a:solidFill>
+                </a14:hiddenFill>
+              </a:ext>
+            </a:extLst>
+          </p:spPr>
+        </p:pic>
+        <p:sp>
+          <p:nvSpPr>
+            <p:cNvPr id="12" name="TextBox 11">
+              <a:extLst>
+                <a:ext uri="{FF2B5EF4-FFF2-40B4-BE49-F238E27FC236}">
+                  <a16:creationId xmlns:a16="http://schemas.microsoft.com/office/drawing/2014/main" id="{157BF48D-0D3C-2542-F248-F308F5FCA962}"/>
+                </a:ext>
+              </a:extLst>
+            </p:cNvPr>
+            <p:cNvSpPr txBox="1"/>
+            <p:nvPr/>
+          </p:nvSpPr>
+          <p:spPr>
+            <a:xfrm>
+              <a:off x="8099205" y="3704901"/>
+              <a:ext cx="1422376" cy="393787"/>
+            </a:xfrm>
+            <a:prstGeom prst="rect">
+              <a:avLst/>
+            </a:prstGeom>
+            <a:noFill/>
+          </p:spPr>
+          <p:txBody>
+            <a:bodyPr wrap="square" rtlCol="0">
+              <a:spAutoFit/>
+            </a:bodyPr>
+            <a:lstStyle/>
+            <a:p>
+              <a:pPr algn="ctr"/>
+              <a:r>
+                <a:rPr lang="en-US" dirty="0"/>
+                <a:t>NFH_DE-2</a:t>
+              </a:r>
+            </a:p>
+          </p:txBody>
+        </p:sp>
+      </p:grpSp>
+      <p:cxnSp>
+        <p:nvCxnSpPr>
+          <p:cNvPr id="15" name="Straight Arrow Connector 14">
+            <a:extLst>
+              <a:ext uri="{FF2B5EF4-FFF2-40B4-BE49-F238E27FC236}">
+                <a16:creationId xmlns:a16="http://schemas.microsoft.com/office/drawing/2014/main" id="{89FEBABF-2B90-665C-1D84-26B4D2EB0323}"/>
+              </a:ext>
+            </a:extLst>
+          </p:cNvPr>
+          <p:cNvCxnSpPr>
+            <a:cxnSpLocks/>
+          </p:cNvCxnSpPr>
+          <p:nvPr/>
+        </p:nvCxnSpPr>
+        <p:spPr>
+          <a:xfrm flipV="1">
+            <a:off x="3563274" y="1543298"/>
+            <a:ext cx="846054" cy="1007739"/>
+          </a:xfrm>
+          <a:prstGeom prst="straightConnector1">
+            <a:avLst/>
+          </a:prstGeom>
+          <a:ln w="28575">
+            <a:tailEnd type="triangle"/>
+          </a:ln>
+        </p:spPr>
+        <p:style>
+          <a:lnRef idx="2">
+            <a:schemeClr val="accent1"/>
+          </a:lnRef>
+          <a:fillRef idx="0">
+            <a:schemeClr val="accent1"/>
+          </a:fillRef>
+          <a:effectRef idx="1">
+            <a:schemeClr val="accent1"/>
+          </a:effectRef>
+          <a:fontRef idx="minor">
+            <a:schemeClr val="tx1"/>
+          </a:fontRef>
+        </p:style>
+      </p:cxnSp>
+      <p:grpSp>
+        <p:nvGrpSpPr>
+          <p:cNvPr id="19" name="Group 18">
+            <a:extLst>
+              <a:ext uri="{FF2B5EF4-FFF2-40B4-BE49-F238E27FC236}">
+                <a16:creationId xmlns:a16="http://schemas.microsoft.com/office/drawing/2014/main" id="{7A60D6AB-9F3A-B419-4FD8-A96251EF75CA}"/>
+              </a:ext>
+            </a:extLst>
+          </p:cNvPr>
+          <p:cNvGrpSpPr/>
+          <p:nvPr/>
+        </p:nvGrpSpPr>
+        <p:grpSpPr>
+          <a:xfrm>
+            <a:off x="4464597" y="3258487"/>
+            <a:ext cx="3781898" cy="1891798"/>
+            <a:chOff x="5456183" y="4840937"/>
+            <a:chExt cx="4032315" cy="2017063"/>
+          </a:xfrm>
+        </p:grpSpPr>
+        <p:pic>
+          <p:nvPicPr>
+            <p:cNvPr id="2052" name="Picture 4">
+              <a:extLst>
+                <a:ext uri="{FF2B5EF4-FFF2-40B4-BE49-F238E27FC236}">
+                  <a16:creationId xmlns:a16="http://schemas.microsoft.com/office/drawing/2014/main" id="{163F9B59-31D3-97A9-D4F0-C116E8FAF9AD}"/>
+                </a:ext>
+              </a:extLst>
+            </p:cNvPr>
+            <p:cNvPicPr>
+              <a:picLocks noChangeAspect="1" noChangeArrowheads="1"/>
+            </p:cNvPicPr>
+            <p:nvPr/>
+          </p:nvPicPr>
+          <p:blipFill>
+            <a:blip r:embed="rId5">
+              <a:extLst>
+                <a:ext uri="{28A0092B-C50C-407E-A947-70E740481C1C}">
+                  <a14:useLocalDpi xmlns:a14="http://schemas.microsoft.com/office/drawing/2010/main" val="0"/>
+                </a:ext>
+              </a:extLst>
+            </a:blip>
+            <a:srcRect/>
+            <a:stretch>
+              <a:fillRect/>
+            </a:stretch>
+          </p:blipFill>
+          <p:spPr bwMode="auto">
+            <a:xfrm>
+              <a:off x="5456183" y="4840937"/>
+              <a:ext cx="2705717" cy="2017063"/>
+            </a:xfrm>
+            <a:prstGeom prst="rect">
+              <a:avLst/>
+            </a:prstGeom>
+            <a:noFill/>
+            <a:extLst>
+              <a:ext uri="{909E8E84-426E-40DD-AFC4-6F175D3DCCD1}">
+                <a14:hiddenFill xmlns:a14="http://schemas.microsoft.com/office/drawing/2010/main">
+                  <a:solidFill>
+                    <a:srgbClr val="FFFFFF"/>
+                  </a:solidFill>
+                </a14:hiddenFill>
+              </a:ext>
+            </a:extLst>
+          </p:spPr>
+        </p:pic>
+        <p:sp>
+          <p:nvSpPr>
+            <p:cNvPr id="17" name="TextBox 16">
+              <a:extLst>
+                <a:ext uri="{FF2B5EF4-FFF2-40B4-BE49-F238E27FC236}">
+                  <a16:creationId xmlns:a16="http://schemas.microsoft.com/office/drawing/2014/main" id="{A6F795E3-E14E-ABC1-66BA-5C40483B4F2F}"/>
+                </a:ext>
+              </a:extLst>
+            </p:cNvPr>
+            <p:cNvSpPr txBox="1"/>
+            <p:nvPr/>
+          </p:nvSpPr>
+          <p:spPr>
+            <a:xfrm>
+              <a:off x="8121778" y="5517345"/>
+              <a:ext cx="1366720" cy="393787"/>
+            </a:xfrm>
+            <a:prstGeom prst="rect">
+              <a:avLst/>
+            </a:prstGeom>
+            <a:noFill/>
+          </p:spPr>
+          <p:txBody>
+            <a:bodyPr wrap="square" rtlCol="0">
+              <a:spAutoFit/>
+            </a:bodyPr>
+            <a:lstStyle/>
+            <a:p>
+              <a:pPr algn="ctr"/>
+              <a:r>
+                <a:rPr lang="en-US" dirty="0"/>
+                <a:t>NFH_DE-3</a:t>
+              </a:r>
+            </a:p>
+          </p:txBody>
+        </p:sp>
+      </p:grpSp>
+      <p:grpSp>
+        <p:nvGrpSpPr>
+          <p:cNvPr id="18" name="Group 17">
+            <a:extLst>
+              <a:ext uri="{FF2B5EF4-FFF2-40B4-BE49-F238E27FC236}">
+                <a16:creationId xmlns:a16="http://schemas.microsoft.com/office/drawing/2014/main" id="{B5EDF6F0-0295-B422-8F8A-F6C92BBB7AFB}"/>
+              </a:ext>
+            </a:extLst>
+          </p:cNvPr>
+          <p:cNvGrpSpPr/>
+          <p:nvPr/>
+        </p:nvGrpSpPr>
+        <p:grpSpPr>
+          <a:xfrm>
+            <a:off x="9219533" y="3702802"/>
+            <a:ext cx="2708772" cy="2276281"/>
+            <a:chOff x="8989276" y="2303870"/>
+            <a:chExt cx="2708772" cy="2276281"/>
+          </a:xfrm>
+        </p:grpSpPr>
+        <p:pic>
+          <p:nvPicPr>
+            <p:cNvPr id="1026" name="Picture 2">
+              <a:extLst>
+                <a:ext uri="{FF2B5EF4-FFF2-40B4-BE49-F238E27FC236}">
+                  <a16:creationId xmlns:a16="http://schemas.microsoft.com/office/drawing/2014/main" id="{DDCBE5BF-82C3-2367-1395-993CCDEE4E7C}"/>
+                </a:ext>
+              </a:extLst>
+            </p:cNvPr>
+            <p:cNvPicPr>
+              <a:picLocks noChangeAspect="1" noChangeArrowheads="1"/>
+            </p:cNvPicPr>
+            <p:nvPr/>
+          </p:nvPicPr>
+          <p:blipFill>
+            <a:blip r:embed="rId6">
+              <a:extLst>
+                <a:ext uri="{28A0092B-C50C-407E-A947-70E740481C1C}">
+                  <a14:useLocalDpi xmlns:a14="http://schemas.microsoft.com/office/drawing/2010/main" val="0"/>
+                </a:ext>
+              </a:extLst>
+            </a:blip>
+            <a:srcRect/>
+            <a:stretch>
+              <a:fillRect/>
+            </a:stretch>
+          </p:blipFill>
+          <p:spPr bwMode="auto">
+            <a:xfrm>
+              <a:off x="8989276" y="2563847"/>
+              <a:ext cx="2708772" cy="2016304"/>
+            </a:xfrm>
+            <a:prstGeom prst="rect">
+              <a:avLst/>
+            </a:prstGeom>
+            <a:noFill/>
+            <a:extLst>
+              <a:ext uri="{909E8E84-426E-40DD-AFC4-6F175D3DCCD1}">
+                <a14:hiddenFill xmlns:a14="http://schemas.microsoft.com/office/drawing/2010/main">
+                  <a:solidFill>
+                    <a:srgbClr val="FFFFFF"/>
+                  </a:solidFill>
+                </a14:hiddenFill>
+              </a:ext>
+            </a:extLst>
+          </p:spPr>
+        </p:pic>
+        <p:sp>
+          <p:nvSpPr>
+            <p:cNvPr id="16" name="TextBox 15">
+              <a:extLst>
+                <a:ext uri="{FF2B5EF4-FFF2-40B4-BE49-F238E27FC236}">
+                  <a16:creationId xmlns:a16="http://schemas.microsoft.com/office/drawing/2014/main" id="{E50FB535-D21C-0FD5-3D49-9E74C68AC16B}"/>
+                </a:ext>
+              </a:extLst>
+            </p:cNvPr>
+            <p:cNvSpPr txBox="1"/>
+            <p:nvPr/>
+          </p:nvSpPr>
+          <p:spPr>
+            <a:xfrm>
+              <a:off x="9639230" y="2303870"/>
+              <a:ext cx="1265520" cy="369332"/>
+            </a:xfrm>
+            <a:prstGeom prst="rect">
+              <a:avLst/>
+            </a:prstGeom>
+            <a:noFill/>
+          </p:spPr>
+          <p:txBody>
+            <a:bodyPr wrap="square" rtlCol="0">
+              <a:spAutoFit/>
+            </a:bodyPr>
+            <a:lstStyle/>
+            <a:p>
+              <a:pPr algn="ctr"/>
+              <a:r>
+                <a:rPr lang="en-US" dirty="0" err="1"/>
+                <a:t>pNFH_DE</a:t>
+              </a:r>
+              <a:endParaRPr lang="en-US" dirty="0"/>
+            </a:p>
+          </p:txBody>
+        </p:sp>
+      </p:grpSp>
+      <p:grpSp>
+        <p:nvGrpSpPr>
+          <p:cNvPr id="20" name="Group 19">
+            <a:extLst>
+              <a:ext uri="{FF2B5EF4-FFF2-40B4-BE49-F238E27FC236}">
+                <a16:creationId xmlns:a16="http://schemas.microsoft.com/office/drawing/2014/main" id="{5FF0BA18-74F1-A708-E910-092B7F19F6CC}"/>
+              </a:ext>
+            </a:extLst>
+          </p:cNvPr>
+          <p:cNvGrpSpPr/>
+          <p:nvPr/>
+        </p:nvGrpSpPr>
+        <p:grpSpPr>
+          <a:xfrm>
+            <a:off x="4375833" y="4840943"/>
+            <a:ext cx="3958538" cy="1992426"/>
             <a:chOff x="4743141" y="3155858"/>
-            <a:chExt cx="4119450" cy="2124354"/>
+            <a:chExt cx="4220651" cy="2124354"/>
           </a:xfrm>
         </p:grpSpPr>
         <p:pic>
@@ -5800,8 +6460,8 @@
           </p:nvSpPr>
           <p:spPr>
             <a:xfrm>
-              <a:off x="7597071" y="3891287"/>
-              <a:ext cx="1265520" cy="369332"/>
+              <a:off x="7597070" y="3891287"/>
+              <a:ext cx="1366722" cy="393787"/>
             </a:xfrm>
             <a:prstGeom prst="rect">
               <a:avLst/>
@@ -5823,42 +6483,12 @@
           </p:txBody>
         </p:sp>
       </p:grpSp>
-    </p:spTree>
-    <p:extLst>
-      <p:ext uri="{BB962C8B-B14F-4D97-AF65-F5344CB8AC3E}">
-        <p14:creationId xmlns:p14="http://schemas.microsoft.com/office/powerpoint/2010/main" val="2892405498"/>
-      </p:ext>
-    </p:extLst>
-  </p:cSld>
-  <p:clrMapOvr>
-    <a:masterClrMapping/>
-  </p:clrMapOvr>
-</p:sld>
-</file>
-
-<file path=ppt/slides/slide6.xml><?xml version="1.0" encoding="utf-8"?>
-<p:sld xmlns:a="http://schemas.openxmlformats.org/drawingml/2006/main" xmlns:r="http://schemas.openxmlformats.org/officeDocument/2006/relationships" xmlns:p="http://schemas.openxmlformats.org/presentationml/2006/main">
-  <p:cSld>
-    <p:spTree>
-      <p:nvGrpSpPr>
-        <p:cNvPr id="1" name=""/>
-        <p:cNvGrpSpPr/>
-        <p:nvPr/>
-      </p:nvGrpSpPr>
-      <p:grpSpPr>
-        <a:xfrm>
-          <a:off x="0" y="0"/>
-          <a:ext cx="0" cy="0"/>
-          <a:chOff x="0" y="0"/>
-          <a:chExt cx="0" cy="0"/>
-        </a:xfrm>
-      </p:grpSpPr>
       <p:grpSp>
         <p:nvGrpSpPr>
-          <p:cNvPr id="3" name="Group 2">
-            <a:extLst>
-              <a:ext uri="{FF2B5EF4-FFF2-40B4-BE49-F238E27FC236}">
-                <a16:creationId xmlns:a16="http://schemas.microsoft.com/office/drawing/2014/main" id="{53CC4C0C-89E0-D988-78E8-22BE90E30E1E}"/>
+          <p:cNvPr id="11" name="Group 10">
+            <a:extLst>
+              <a:ext uri="{FF2B5EF4-FFF2-40B4-BE49-F238E27FC236}">
+                <a16:creationId xmlns:a16="http://schemas.microsoft.com/office/drawing/2014/main" id="{783C9E78-27D5-2469-1FBF-189A6F15E0C9}"/>
               </a:ext>
             </a:extLst>
           </p:cNvPr>
@@ -5867,18 +6497,18 @@
         </p:nvGrpSpPr>
         <p:grpSpPr>
           <a:xfrm>
-            <a:off x="4743141" y="124692"/>
-            <a:ext cx="2705717" cy="2277849"/>
-            <a:chOff x="5456183" y="4580151"/>
-            <a:chExt cx="2705717" cy="2277849"/>
+            <a:off x="635954" y="4120652"/>
+            <a:ext cx="2733399" cy="2207587"/>
+            <a:chOff x="575303" y="4472724"/>
+            <a:chExt cx="2844088" cy="2296983"/>
           </a:xfrm>
         </p:grpSpPr>
         <p:pic>
           <p:nvPicPr>
-            <p:cNvPr id="4" name="Picture 4">
+            <p:cNvPr id="1028" name="Picture 4">
               <a:extLst>
                 <a:ext uri="{FF2B5EF4-FFF2-40B4-BE49-F238E27FC236}">
-                  <a16:creationId xmlns:a16="http://schemas.microsoft.com/office/drawing/2014/main" id="{BE133299-04F7-2A0B-EAA2-29981D4FAD69}"/>
+                  <a16:creationId xmlns:a16="http://schemas.microsoft.com/office/drawing/2014/main" id="{88A6F66A-0754-611B-3808-3478F6BF6261}"/>
                 </a:ext>
               </a:extLst>
             </p:cNvPr>
@@ -5888,7 +6518,7 @@
             <p:nvPr/>
           </p:nvPicPr>
           <p:blipFill>
-            <a:blip r:embed="rId2">
+            <a:blip r:embed="rId8">
               <a:extLst>
                 <a:ext uri="{28A0092B-C50C-407E-A947-70E740481C1C}">
                   <a14:useLocalDpi xmlns:a14="http://schemas.microsoft.com/office/drawing/2010/main" val="0"/>
@@ -5902,8 +6532,8 @@
           </p:blipFill>
           <p:spPr bwMode="auto">
             <a:xfrm>
-              <a:off x="5456183" y="4840937"/>
-              <a:ext cx="2705717" cy="2017063"/>
+              <a:off x="575303" y="4652679"/>
+              <a:ext cx="2844088" cy="2117028"/>
             </a:xfrm>
             <a:prstGeom prst="rect">
               <a:avLst/>
@@ -5922,10 +6552,10 @@
         </p:pic>
         <p:sp>
           <p:nvSpPr>
-            <p:cNvPr id="5" name="TextBox 4">
+            <p:cNvPr id="9" name="TextBox 8">
               <a:extLst>
                 <a:ext uri="{FF2B5EF4-FFF2-40B4-BE49-F238E27FC236}">
-                  <a16:creationId xmlns:a16="http://schemas.microsoft.com/office/drawing/2014/main" id="{64873D89-44C8-29C8-9331-1D4D20381571}"/>
+                  <a16:creationId xmlns:a16="http://schemas.microsoft.com/office/drawing/2014/main" id="{ECCB1E28-A53B-0F38-A093-FBAF6516F77D}"/>
                 </a:ext>
               </a:extLst>
             </p:cNvPr>
@@ -5934,8 +6564,8 @@
           </p:nvSpPr>
           <p:spPr>
             <a:xfrm>
-              <a:off x="6096000" y="4580151"/>
-              <a:ext cx="1265520" cy="369332"/>
+              <a:off x="1556828" y="4472724"/>
+              <a:ext cx="769412" cy="338554"/>
             </a:xfrm>
             <a:prstGeom prst="rect">
               <a:avLst/>
@@ -5950,19 +6580,60 @@
             <a:p>
               <a:pPr algn="ctr"/>
               <a:r>
-                <a:rPr lang="en-US" dirty="0"/>
-                <a:t>NFH_DE-3</a:t>
+                <a:rPr lang="en-US" sz="1600" dirty="0"/>
+                <a:t>NFH2</a:t>
               </a:r>
             </a:p>
           </p:txBody>
         </p:sp>
       </p:grpSp>
+      <p:cxnSp>
+        <p:nvCxnSpPr>
+          <p:cNvPr id="23" name="Straight Arrow Connector 22">
+            <a:extLst>
+              <a:ext uri="{FF2B5EF4-FFF2-40B4-BE49-F238E27FC236}">
+                <a16:creationId xmlns:a16="http://schemas.microsoft.com/office/drawing/2014/main" id="{DEE2F2C8-1F02-64C0-8A9C-00F412114141}"/>
+              </a:ext>
+            </a:extLst>
+          </p:cNvPr>
+          <p:cNvCxnSpPr>
+            <a:cxnSpLocks/>
+          </p:cNvCxnSpPr>
+          <p:nvPr/>
+        </p:nvCxnSpPr>
+        <p:spPr>
+          <a:xfrm>
+            <a:off x="3612611" y="5269144"/>
+            <a:ext cx="646568" cy="350606"/>
+          </a:xfrm>
+          <a:prstGeom prst="straightConnector1">
+            <a:avLst/>
+          </a:prstGeom>
+          <a:ln w="28575">
+            <a:tailEnd type="triangle"/>
+          </a:ln>
+        </p:spPr>
+        <p:style>
+          <a:lnRef idx="2">
+            <a:schemeClr val="accent1"/>
+          </a:lnRef>
+          <a:fillRef idx="0">
+            <a:schemeClr val="accent1"/>
+          </a:fillRef>
+          <a:effectRef idx="1">
+            <a:schemeClr val="accent1"/>
+          </a:effectRef>
+          <a:fontRef idx="minor">
+            <a:schemeClr val="tx1"/>
+          </a:fontRef>
+        </p:style>
+      </p:cxnSp>
       <p:grpSp>
         <p:nvGrpSpPr>
-          <p:cNvPr id="7" name="Group 6">
-            <a:extLst>
-              <a:ext uri="{FF2B5EF4-FFF2-40B4-BE49-F238E27FC236}">
-                <a16:creationId xmlns:a16="http://schemas.microsoft.com/office/drawing/2014/main" id="{59D9A708-187D-2580-428A-C41084F6A2F0}"/>
+          <p:cNvPr id="28" name="Group 27">
+            <a:extLst>
+              <a:ext uri="{FF2B5EF4-FFF2-40B4-BE49-F238E27FC236}">
+                <a16:creationId xmlns:a16="http://schemas.microsoft.com/office/drawing/2014/main" id="{4C30B2C5-6997-7B62-F999-AB0DE047C063}"/>
               </a:ext>
             </a:extLst>
           </p:cNvPr>
@@ -5971,18 +6642,18 @@
         </p:nvGrpSpPr>
         <p:grpSpPr>
           <a:xfrm>
-            <a:off x="4743141" y="2971192"/>
-            <a:ext cx="2853930" cy="2309020"/>
-            <a:chOff x="4743141" y="2971192"/>
-            <a:chExt cx="2853930" cy="2309020"/>
+            <a:off x="9094817" y="380461"/>
+            <a:ext cx="2853930" cy="2331745"/>
+            <a:chOff x="681978" y="4006811"/>
+            <a:chExt cx="2853930" cy="2331745"/>
           </a:xfrm>
         </p:grpSpPr>
         <p:pic>
           <p:nvPicPr>
-            <p:cNvPr id="3074" name="Picture 2">
+            <p:cNvPr id="29" name="Picture 2">
               <a:extLst>
                 <a:ext uri="{FF2B5EF4-FFF2-40B4-BE49-F238E27FC236}">
-                  <a16:creationId xmlns:a16="http://schemas.microsoft.com/office/drawing/2014/main" id="{73469579-4C99-96B5-9F7C-ABC6E49C2FCD}"/>
+                  <a16:creationId xmlns:a16="http://schemas.microsoft.com/office/drawing/2014/main" id="{254F49B3-8CBC-A0BA-750E-2494A0284CF0}"/>
                 </a:ext>
               </a:extLst>
             </p:cNvPr>
@@ -5992,7 +6663,7 @@
             <p:nvPr/>
           </p:nvPicPr>
           <p:blipFill>
-            <a:blip r:embed="rId3">
+            <a:blip r:embed="rId9">
               <a:extLst>
                 <a:ext uri="{28A0092B-C50C-407E-A947-70E740481C1C}">
                   <a14:useLocalDpi xmlns:a14="http://schemas.microsoft.com/office/drawing/2010/main" val="0"/>
@@ -6006,7 +6677,7 @@
           </p:blipFill>
           <p:spPr bwMode="auto">
             <a:xfrm>
-              <a:off x="4743141" y="3155858"/>
+              <a:off x="681978" y="4214202"/>
               <a:ext cx="2853930" cy="2124354"/>
             </a:xfrm>
             <a:prstGeom prst="rect">
@@ -6026,10 +6697,10 @@
         </p:pic>
         <p:sp>
           <p:nvSpPr>
-            <p:cNvPr id="6" name="TextBox 5">
+            <p:cNvPr id="30" name="TextBox 29">
               <a:extLst>
                 <a:ext uri="{FF2B5EF4-FFF2-40B4-BE49-F238E27FC236}">
-                  <a16:creationId xmlns:a16="http://schemas.microsoft.com/office/drawing/2014/main" id="{3F97D66C-584D-2CF4-215D-179ACD6FC213}"/>
+                  <a16:creationId xmlns:a16="http://schemas.microsoft.com/office/drawing/2014/main" id="{4E34D84B-E3D7-E58D-422D-27A39A945A17}"/>
                 </a:ext>
               </a:extLst>
             </p:cNvPr>
@@ -6038,8 +6709,8 @@
           </p:nvSpPr>
           <p:spPr>
             <a:xfrm>
-              <a:off x="5463239" y="2971192"/>
-              <a:ext cx="1265520" cy="369332"/>
+              <a:off x="1637286" y="4006811"/>
+              <a:ext cx="769412" cy="338554"/>
             </a:xfrm>
             <a:prstGeom prst="rect">
               <a:avLst/>
@@ -6054,185 +6725,96 @@
             <a:p>
               <a:pPr algn="ctr"/>
               <a:r>
-                <a:rPr lang="en-US" dirty="0"/>
-                <a:t>NFH_DE-4</a:t>
+                <a:rPr lang="en-US" sz="1600" dirty="0" err="1"/>
+                <a:t>pNFH</a:t>
               </a:r>
+              <a:endParaRPr lang="en-US" sz="1600" dirty="0"/>
             </a:p>
           </p:txBody>
         </p:sp>
       </p:grpSp>
+      <p:cxnSp>
+        <p:nvCxnSpPr>
+          <p:cNvPr id="31" name="Straight Arrow Connector 30">
+            <a:extLst>
+              <a:ext uri="{FF2B5EF4-FFF2-40B4-BE49-F238E27FC236}">
+                <a16:creationId xmlns:a16="http://schemas.microsoft.com/office/drawing/2014/main" id="{0CD3CC8B-76FB-0345-F7AB-BABC3F319663}"/>
+              </a:ext>
+            </a:extLst>
+          </p:cNvPr>
+          <p:cNvCxnSpPr>
+            <a:cxnSpLocks/>
+          </p:cNvCxnSpPr>
+          <p:nvPr/>
+        </p:nvCxnSpPr>
+        <p:spPr>
+          <a:xfrm>
+            <a:off x="10521782" y="2812499"/>
+            <a:ext cx="0" cy="683875"/>
+          </a:xfrm>
+          <a:prstGeom prst="straightConnector1">
+            <a:avLst/>
+          </a:prstGeom>
+          <a:ln w="28575">
+            <a:tailEnd type="triangle"/>
+          </a:ln>
+        </p:spPr>
+        <p:style>
+          <a:lnRef idx="2">
+            <a:schemeClr val="accent1"/>
+          </a:lnRef>
+          <a:fillRef idx="0">
+            <a:schemeClr val="accent1"/>
+          </a:fillRef>
+          <a:effectRef idx="1">
+            <a:schemeClr val="accent1"/>
+          </a:effectRef>
+          <a:fontRef idx="minor">
+            <a:schemeClr val="tx1"/>
+          </a:fontRef>
+        </p:style>
+      </p:cxnSp>
+      <p:cxnSp>
+        <p:nvCxnSpPr>
+          <p:cNvPr id="37" name="Straight Connector 36">
+            <a:extLst>
+              <a:ext uri="{FF2B5EF4-FFF2-40B4-BE49-F238E27FC236}">
+                <a16:creationId xmlns:a16="http://schemas.microsoft.com/office/drawing/2014/main" id="{6E929F69-D00B-6276-F314-DE01D4D5DF28}"/>
+              </a:ext>
+            </a:extLst>
+          </p:cNvPr>
+          <p:cNvCxnSpPr/>
+          <p:nvPr/>
+        </p:nvCxnSpPr>
+        <p:spPr>
+          <a:xfrm>
+            <a:off x="8737600" y="0"/>
+            <a:ext cx="0" cy="6858000"/>
+          </a:xfrm>
+          <a:prstGeom prst="line">
+            <a:avLst/>
+          </a:prstGeom>
+          <a:ln w="38100"/>
+        </p:spPr>
+        <p:style>
+          <a:lnRef idx="2">
+            <a:schemeClr val="dk1"/>
+          </a:lnRef>
+          <a:fillRef idx="0">
+            <a:schemeClr val="dk1"/>
+          </a:fillRef>
+          <a:effectRef idx="1">
+            <a:schemeClr val="dk1"/>
+          </a:effectRef>
+          <a:fontRef idx="minor">
+            <a:schemeClr val="tx1"/>
+          </a:fontRef>
+        </p:style>
+      </p:cxnSp>
     </p:spTree>
     <p:extLst>
       <p:ext uri="{BB962C8B-B14F-4D97-AF65-F5344CB8AC3E}">
-        <p14:creationId xmlns:p14="http://schemas.microsoft.com/office/powerpoint/2010/main" val="751392592"/>
-      </p:ext>
-    </p:extLst>
-  </p:cSld>
-  <p:clrMapOvr>
-    <a:masterClrMapping/>
-  </p:clrMapOvr>
-</p:sld>
-</file>
-
-<file path=ppt/slides/slide7.xml><?xml version="1.0" encoding="utf-8"?>
-<p:sld xmlns:a="http://schemas.openxmlformats.org/drawingml/2006/main" xmlns:r="http://schemas.openxmlformats.org/officeDocument/2006/relationships" xmlns:p="http://schemas.openxmlformats.org/presentationml/2006/main">
-  <p:cSld>
-    <p:spTree>
-      <p:nvGrpSpPr>
-        <p:cNvPr id="1" name=""/>
-        <p:cNvGrpSpPr/>
-        <p:nvPr/>
-      </p:nvGrpSpPr>
-      <p:grpSpPr>
-        <a:xfrm>
-          <a:off x="0" y="0"/>
-          <a:ext cx="0" cy="0"/>
-          <a:chOff x="0" y="0"/>
-          <a:chExt cx="0" cy="0"/>
-        </a:xfrm>
-      </p:grpSpPr>
-      <p:sp>
-        <p:nvSpPr>
-          <p:cNvPr id="2" name="Title 1">
-            <a:extLst>
-              <a:ext uri="{FF2B5EF4-FFF2-40B4-BE49-F238E27FC236}">
-                <a16:creationId xmlns:a16="http://schemas.microsoft.com/office/drawing/2014/main" id="{167C802B-8A16-9561-820B-BB63D8E24CB3}"/>
-              </a:ext>
-            </a:extLst>
-          </p:cNvPr>
-          <p:cNvSpPr>
-            <a:spLocks noGrp="1"/>
-          </p:cNvSpPr>
-          <p:nvPr>
-            <p:ph type="title"/>
-          </p:nvPr>
-        </p:nvSpPr>
-        <p:spPr>
-          <a:xfrm>
-            <a:off x="0" y="0"/>
-            <a:ext cx="10515600" cy="1325563"/>
-          </a:xfrm>
-        </p:spPr>
-        <p:txBody>
-          <a:bodyPr/>
-          <a:lstStyle/>
-          <a:p>
-            <a:r>
-              <a:rPr lang="en-US" dirty="0"/>
-              <a:t>Height response</a:t>
-            </a:r>
-          </a:p>
-        </p:txBody>
-      </p:sp>
-      <p:pic>
-        <p:nvPicPr>
-          <p:cNvPr id="16" name="Picture 2">
-            <a:extLst>
-              <a:ext uri="{FF2B5EF4-FFF2-40B4-BE49-F238E27FC236}">
-                <a16:creationId xmlns:a16="http://schemas.microsoft.com/office/drawing/2014/main" id="{387FDCD7-2AB8-D944-140B-CB014F7F8B3D}"/>
-              </a:ext>
-            </a:extLst>
-          </p:cNvPr>
-          <p:cNvPicPr>
-            <a:picLocks noChangeAspect="1" noChangeArrowheads="1"/>
-          </p:cNvPicPr>
-          <p:nvPr/>
-        </p:nvPicPr>
-        <p:blipFill rotWithShape="1">
-          <a:blip r:embed="rId2">
-            <a:extLst>
-              <a:ext uri="{28A0092B-C50C-407E-A947-70E740481C1C}">
-                <a14:useLocalDpi xmlns:a14="http://schemas.microsoft.com/office/drawing/2010/main" val="0"/>
-              </a:ext>
-            </a:extLst>
-          </a:blip>
-          <a:srcRect t="55984" r="71065"/>
-          <a:stretch/>
-        </p:blipFill>
-        <p:spPr bwMode="auto">
-          <a:xfrm>
-            <a:off x="2606393" y="1615215"/>
-            <a:ext cx="2652162" cy="3627570"/>
-          </a:xfrm>
-          <a:prstGeom prst="rect">
-            <a:avLst/>
-          </a:prstGeom>
-          <a:noFill/>
-          <a:ln>
-            <a:noFill/>
-          </a:ln>
-          <a:extLst>
-            <a:ext uri="{909E8E84-426E-40DD-AFC4-6F175D3DCCD1}">
-              <a14:hiddenFill xmlns:a14="http://schemas.microsoft.com/office/drawing/2010/main">
-                <a:solidFill>
-                  <a:srgbClr val="FFFFFF"/>
-                </a:solidFill>
-              </a14:hiddenFill>
-            </a:ext>
-            <a:ext uri="{91240B29-F687-4F45-9708-019B960494DF}">
-              <a14:hiddenLine xmlns:a14="http://schemas.microsoft.com/office/drawing/2010/main" w="9525">
-                <a:solidFill>
-                  <a:srgbClr val="000000"/>
-                </a:solidFill>
-                <a:miter lim="800000"/>
-                <a:headEnd/>
-                <a:tailEnd/>
-              </a14:hiddenLine>
-            </a:ext>
-          </a:extLst>
-        </p:spPr>
-      </p:pic>
-      <p:pic>
-        <p:nvPicPr>
-          <p:cNvPr id="2050" name="Picture 2">
-            <a:extLst>
-              <a:ext uri="{FF2B5EF4-FFF2-40B4-BE49-F238E27FC236}">
-                <a16:creationId xmlns:a16="http://schemas.microsoft.com/office/drawing/2014/main" id="{EC3308D3-C764-7B18-C848-4BB41A4F1D09}"/>
-              </a:ext>
-            </a:extLst>
-          </p:cNvPr>
-          <p:cNvPicPr>
-            <a:picLocks noChangeAspect="1" noChangeArrowheads="1"/>
-          </p:cNvPicPr>
-          <p:nvPr/>
-        </p:nvPicPr>
-        <p:blipFill>
-          <a:blip r:embed="rId3">
-            <a:extLst>
-              <a:ext uri="{28A0092B-C50C-407E-A947-70E740481C1C}">
-                <a14:useLocalDpi xmlns:a14="http://schemas.microsoft.com/office/drawing/2010/main" val="0"/>
-              </a:ext>
-            </a:extLst>
-          </a:blip>
-          <a:srcRect/>
-          <a:stretch>
-            <a:fillRect/>
-          </a:stretch>
-        </p:blipFill>
-        <p:spPr bwMode="auto">
-          <a:xfrm>
-            <a:off x="6252603" y="1896422"/>
-            <a:ext cx="3913374" cy="3065155"/>
-          </a:xfrm>
-          <a:prstGeom prst="rect">
-            <a:avLst/>
-          </a:prstGeom>
-          <a:noFill/>
-          <a:extLst>
-            <a:ext uri="{909E8E84-426E-40DD-AFC4-6F175D3DCCD1}">
-              <a14:hiddenFill xmlns:a14="http://schemas.microsoft.com/office/drawing/2010/main">
-                <a:solidFill>
-                  <a:srgbClr val="FFFFFF"/>
-                </a:solidFill>
-              </a14:hiddenFill>
-            </a:ext>
-          </a:extLst>
-        </p:spPr>
-      </p:pic>
-    </p:spTree>
-    <p:extLst>
-      <p:ext uri="{BB962C8B-B14F-4D97-AF65-F5344CB8AC3E}">
-        <p14:creationId xmlns:p14="http://schemas.microsoft.com/office/powerpoint/2010/main" val="1185364547"/>
+        <p14:creationId xmlns:p14="http://schemas.microsoft.com/office/powerpoint/2010/main" val="3752524284"/>
       </p:ext>
     </p:extLst>
   </p:cSld>

--- a/20240402 NF Update - Fig 5.pptx
+++ b/20240402 NF Update - Fig 5.pptx
@@ -12,6 +12,7 @@
     <p:sldId id="260" r:id="rId6"/>
     <p:sldId id="261" r:id="rId7"/>
     <p:sldId id="262" r:id="rId8"/>
+    <p:sldId id="263" r:id="rId9"/>
   </p:sldIdLst>
   <p:sldSz cx="12192000" cy="6858000"/>
   <p:notesSz cx="6858000" cy="9144000"/>
@@ -5754,6 +5755,53 @@
           </a:extLst>
         </p:spPr>
       </p:pic>
+      <p:pic>
+        <p:nvPicPr>
+          <p:cNvPr id="3" name="Picture 2">
+            <a:extLst>
+              <a:ext uri="{FF2B5EF4-FFF2-40B4-BE49-F238E27FC236}">
+                <a16:creationId xmlns:a16="http://schemas.microsoft.com/office/drawing/2014/main" id="{865470D4-658D-3F8B-F14A-4613AC1E9931}"/>
+              </a:ext>
+            </a:extLst>
+          </p:cNvPr>
+          <p:cNvPicPr>
+            <a:picLocks noChangeAspect="1" noChangeArrowheads="1"/>
+          </p:cNvPicPr>
+          <p:nvPr/>
+        </p:nvPicPr>
+        <p:blipFill>
+          <a:blip r:embed="rId3">
+            <a:extLst>
+              <a:ext uri="{28A0092B-C50C-407E-A947-70E740481C1C}">
+                <a14:useLocalDpi xmlns:a14="http://schemas.microsoft.com/office/drawing/2010/main" val="0"/>
+              </a:ext>
+            </a:extLst>
+          </a:blip>
+          <a:srcRect/>
+          <a:stretch>
+            <a:fillRect/>
+          </a:stretch>
+        </p:blipFill>
+        <p:spPr bwMode="auto">
+          <a:xfrm>
+            <a:off x="6375561" y="2152650"/>
+            <a:ext cx="3706018" cy="2902743"/>
+          </a:xfrm>
+          <a:prstGeom prst="rect">
+            <a:avLst/>
+          </a:prstGeom>
+          <a:noFill/>
+          <a:extLst>
+            <a:ext uri="{909E8E84-426E-40DD-AFC4-6F175D3DCCD1}">
+              <a14:hiddenFill xmlns:a14="http://schemas.microsoft.com/office/drawing/2010/main">
+                <a:solidFill>
+                  <a:srgbClr val="FFFFFF"/>
+                </a:solidFill>
+              </a14:hiddenFill>
+            </a:ext>
+          </a:extLst>
+        </p:spPr>
+      </p:pic>
     </p:spTree>
     <p:extLst>
       <p:ext uri="{BB962C8B-B14F-4D97-AF65-F5344CB8AC3E}">
@@ -6811,10 +6859,227 @@
           </a:fontRef>
         </p:style>
       </p:cxnSp>
+      <p:sp>
+        <p:nvSpPr>
+          <p:cNvPr id="41" name="Rectangle 40">
+            <a:extLst>
+              <a:ext uri="{FF2B5EF4-FFF2-40B4-BE49-F238E27FC236}">
+                <a16:creationId xmlns:a16="http://schemas.microsoft.com/office/drawing/2014/main" id="{E4338EF9-AD7E-6BD9-E48C-5A084B0F200A}"/>
+              </a:ext>
+            </a:extLst>
+          </p:cNvPr>
+          <p:cNvSpPr/>
+          <p:nvPr/>
+        </p:nvSpPr>
+        <p:spPr>
+          <a:xfrm>
+            <a:off x="1040126" y="5798164"/>
+            <a:ext cx="1633904" cy="530075"/>
+          </a:xfrm>
+          <a:prstGeom prst="rect">
+            <a:avLst/>
+          </a:prstGeom>
+        </p:spPr>
+        <p:style>
+          <a:lnRef idx="2">
+            <a:schemeClr val="accent1">
+              <a:shade val="15000"/>
+            </a:schemeClr>
+          </a:lnRef>
+          <a:fillRef idx="1">
+            <a:schemeClr val="accent1"/>
+          </a:fillRef>
+          <a:effectRef idx="0">
+            <a:schemeClr val="accent1"/>
+          </a:effectRef>
+          <a:fontRef idx="minor">
+            <a:schemeClr val="lt1"/>
+          </a:fontRef>
+        </p:style>
+        <p:txBody>
+          <a:bodyPr rtlCol="0" anchor="ctr"/>
+          <a:lstStyle/>
+          <a:p>
+            <a:pPr algn="ctr"/>
+            <a:r>
+              <a:rPr lang="en-US" dirty="0"/>
+              <a:t>prog</a:t>
+            </a:r>
+          </a:p>
+        </p:txBody>
+      </p:sp>
     </p:spTree>
     <p:extLst>
       <p:ext uri="{BB962C8B-B14F-4D97-AF65-F5344CB8AC3E}">
         <p14:creationId xmlns:p14="http://schemas.microsoft.com/office/powerpoint/2010/main" val="3752524284"/>
+      </p:ext>
+    </p:extLst>
+  </p:cSld>
+  <p:clrMapOvr>
+    <a:masterClrMapping/>
+  </p:clrMapOvr>
+</p:sld>
+</file>
+
+<file path=ppt/slides/slide8.xml><?xml version="1.0" encoding="utf-8"?>
+<p:sld xmlns:a="http://schemas.openxmlformats.org/drawingml/2006/main" xmlns:r="http://schemas.openxmlformats.org/officeDocument/2006/relationships" xmlns:p="http://schemas.openxmlformats.org/presentationml/2006/main">
+  <p:cSld>
+    <p:spTree>
+      <p:nvGrpSpPr>
+        <p:cNvPr id="1" name=""/>
+        <p:cNvGrpSpPr/>
+        <p:nvPr/>
+      </p:nvGrpSpPr>
+      <p:grpSpPr>
+        <a:xfrm>
+          <a:off x="0" y="0"/>
+          <a:ext cx="0" cy="0"/>
+          <a:chOff x="0" y="0"/>
+          <a:chExt cx="0" cy="0"/>
+        </a:xfrm>
+      </p:grpSpPr>
+      <p:sp>
+        <p:nvSpPr>
+          <p:cNvPr id="2" name="Title 1">
+            <a:extLst>
+              <a:ext uri="{FF2B5EF4-FFF2-40B4-BE49-F238E27FC236}">
+                <a16:creationId xmlns:a16="http://schemas.microsoft.com/office/drawing/2014/main" id="{167C802B-8A16-9561-820B-BB63D8E24CB3}"/>
+              </a:ext>
+            </a:extLst>
+          </p:cNvPr>
+          <p:cNvSpPr>
+            <a:spLocks noGrp="1"/>
+          </p:cNvSpPr>
+          <p:nvPr>
+            <p:ph type="title"/>
+          </p:nvPr>
+        </p:nvSpPr>
+        <p:spPr>
+          <a:xfrm>
+            <a:off x="0" y="0"/>
+            <a:ext cx="10515600" cy="1325563"/>
+          </a:xfrm>
+        </p:spPr>
+        <p:txBody>
+          <a:bodyPr/>
+          <a:lstStyle/>
+          <a:p>
+            <a:r>
+              <a:rPr lang="en-US" dirty="0"/>
+              <a:t>Height response</a:t>
+            </a:r>
+          </a:p>
+        </p:txBody>
+      </p:sp>
+      <p:pic>
+        <p:nvPicPr>
+          <p:cNvPr id="16" name="Picture 2">
+            <a:extLst>
+              <a:ext uri="{FF2B5EF4-FFF2-40B4-BE49-F238E27FC236}">
+                <a16:creationId xmlns:a16="http://schemas.microsoft.com/office/drawing/2014/main" id="{387FDCD7-2AB8-D944-140B-CB014F7F8B3D}"/>
+              </a:ext>
+            </a:extLst>
+          </p:cNvPr>
+          <p:cNvPicPr>
+            <a:picLocks noChangeAspect="1" noChangeArrowheads="1"/>
+          </p:cNvPicPr>
+          <p:nvPr/>
+        </p:nvPicPr>
+        <p:blipFill rotWithShape="1">
+          <a:blip r:embed="rId2">
+            <a:extLst>
+              <a:ext uri="{28A0092B-C50C-407E-A947-70E740481C1C}">
+                <a14:useLocalDpi xmlns:a14="http://schemas.microsoft.com/office/drawing/2010/main" val="0"/>
+              </a:ext>
+            </a:extLst>
+          </a:blip>
+          <a:srcRect t="55984" r="71065"/>
+          <a:stretch/>
+        </p:blipFill>
+        <p:spPr bwMode="auto">
+          <a:xfrm>
+            <a:off x="2605638" y="1920015"/>
+            <a:ext cx="2652162" cy="3627570"/>
+          </a:xfrm>
+          <a:prstGeom prst="rect">
+            <a:avLst/>
+          </a:prstGeom>
+          <a:noFill/>
+          <a:ln>
+            <a:noFill/>
+          </a:ln>
+          <a:extLst>
+            <a:ext uri="{909E8E84-426E-40DD-AFC4-6F175D3DCCD1}">
+              <a14:hiddenFill xmlns:a14="http://schemas.microsoft.com/office/drawing/2010/main">
+                <a:solidFill>
+                  <a:srgbClr val="FFFFFF"/>
+                </a:solidFill>
+              </a14:hiddenFill>
+            </a:ext>
+            <a:ext uri="{91240B29-F687-4F45-9708-019B960494DF}">
+              <a14:hiddenLine xmlns:a14="http://schemas.microsoft.com/office/drawing/2010/main" w="9525">
+                <a:solidFill>
+                  <a:srgbClr val="000000"/>
+                </a:solidFill>
+                <a:miter lim="800000"/>
+                <a:headEnd/>
+                <a:tailEnd/>
+              </a14:hiddenLine>
+            </a:ext>
+          </a:extLst>
+        </p:spPr>
+      </p:pic>
+      <p:pic>
+        <p:nvPicPr>
+          <p:cNvPr id="4098" name="Picture 2">
+            <a:extLst>
+              <a:ext uri="{FF2B5EF4-FFF2-40B4-BE49-F238E27FC236}">
+                <a16:creationId xmlns:a16="http://schemas.microsoft.com/office/drawing/2014/main" id="{66FCF445-0447-CCC1-87F1-DB90AAA906FD}"/>
+              </a:ext>
+            </a:extLst>
+          </p:cNvPr>
+          <p:cNvPicPr>
+            <a:picLocks noChangeAspect="1" noChangeArrowheads="1"/>
+          </p:cNvPicPr>
+          <p:nvPr/>
+        </p:nvPicPr>
+        <p:blipFill>
+          <a:blip r:embed="rId3">
+            <a:extLst>
+              <a:ext uri="{28A0092B-C50C-407E-A947-70E740481C1C}">
+                <a14:useLocalDpi xmlns:a14="http://schemas.microsoft.com/office/drawing/2010/main" val="0"/>
+              </a:ext>
+            </a:extLst>
+          </a:blip>
+          <a:srcRect/>
+          <a:stretch>
+            <a:fillRect/>
+          </a:stretch>
+        </p:blipFill>
+        <p:spPr bwMode="auto">
+          <a:xfrm>
+            <a:off x="6096000" y="2517182"/>
+            <a:ext cx="3395662" cy="2659656"/>
+          </a:xfrm>
+          <a:prstGeom prst="rect">
+            <a:avLst/>
+          </a:prstGeom>
+          <a:noFill/>
+          <a:extLst>
+            <a:ext uri="{909E8E84-426E-40DD-AFC4-6F175D3DCCD1}">
+              <a14:hiddenFill xmlns:a14="http://schemas.microsoft.com/office/drawing/2010/main">
+                <a:solidFill>
+                  <a:srgbClr val="FFFFFF"/>
+                </a:solidFill>
+              </a14:hiddenFill>
+            </a:ext>
+          </a:extLst>
+        </p:spPr>
+      </p:pic>
+    </p:spTree>
+    <p:extLst>
+      <p:ext uri="{BB962C8B-B14F-4D97-AF65-F5344CB8AC3E}">
+        <p14:creationId xmlns:p14="http://schemas.microsoft.com/office/powerpoint/2010/main" val="163915211"/>
       </p:ext>
     </p:extLst>
   </p:cSld>

--- a/20240402 NF Update - Fig 5.pptx
+++ b/20240402 NF Update - Fig 5.pptx
@@ -5860,7 +5860,7 @@
           <a:p>
             <a:r>
               <a:rPr lang="en-US" dirty="0"/>
-              <a:t>Temp - D6</a:t>
+              <a:t>Temp - D6 </a:t>
             </a:r>
           </a:p>
         </p:txBody>
@@ -6908,6 +6908,88 @@
           </a:p>
         </p:txBody>
       </p:sp>
+      <p:cxnSp>
+        <p:nvCxnSpPr>
+          <p:cNvPr id="43" name="Straight Connector 42">
+            <a:extLst>
+              <a:ext uri="{FF2B5EF4-FFF2-40B4-BE49-F238E27FC236}">
+                <a16:creationId xmlns:a16="http://schemas.microsoft.com/office/drawing/2014/main" id="{F0B857F5-FD60-DE24-C07C-13F0F845ACBC}"/>
+              </a:ext>
+            </a:extLst>
+          </p:cNvPr>
+          <p:cNvCxnSpPr/>
+          <p:nvPr/>
+        </p:nvCxnSpPr>
+        <p:spPr>
+          <a:xfrm flipV="1">
+            <a:off x="4657725" y="190500"/>
+            <a:ext cx="1838325" cy="1475425"/>
+          </a:xfrm>
+          <a:prstGeom prst="line">
+            <a:avLst/>
+          </a:prstGeom>
+          <a:ln w="28575">
+            <a:solidFill>
+              <a:schemeClr val="accent1"/>
+            </a:solidFill>
+          </a:ln>
+        </p:spPr>
+        <p:style>
+          <a:lnRef idx="2">
+            <a:schemeClr val="accent1"/>
+          </a:lnRef>
+          <a:fillRef idx="0">
+            <a:schemeClr val="accent1"/>
+          </a:fillRef>
+          <a:effectRef idx="1">
+            <a:schemeClr val="accent1"/>
+          </a:effectRef>
+          <a:fontRef idx="minor">
+            <a:schemeClr val="tx1"/>
+          </a:fontRef>
+        </p:style>
+      </p:cxnSp>
+      <p:cxnSp>
+        <p:nvCxnSpPr>
+          <p:cNvPr id="44" name="Straight Connector 43">
+            <a:extLst>
+              <a:ext uri="{FF2B5EF4-FFF2-40B4-BE49-F238E27FC236}">
+                <a16:creationId xmlns:a16="http://schemas.microsoft.com/office/drawing/2014/main" id="{1EA9BB99-A6BB-8BDA-EC68-F345D5902011}"/>
+              </a:ext>
+            </a:extLst>
+          </p:cNvPr>
+          <p:cNvCxnSpPr/>
+          <p:nvPr/>
+        </p:nvCxnSpPr>
+        <p:spPr>
+          <a:xfrm flipV="1">
+            <a:off x="4759248" y="1783062"/>
+            <a:ext cx="1838325" cy="1475425"/>
+          </a:xfrm>
+          <a:prstGeom prst="line">
+            <a:avLst/>
+          </a:prstGeom>
+          <a:ln w="28575">
+            <a:solidFill>
+              <a:schemeClr val="accent1"/>
+            </a:solidFill>
+          </a:ln>
+        </p:spPr>
+        <p:style>
+          <a:lnRef idx="2">
+            <a:schemeClr val="accent1"/>
+          </a:lnRef>
+          <a:fillRef idx="0">
+            <a:schemeClr val="accent1"/>
+          </a:fillRef>
+          <a:effectRef idx="1">
+            <a:schemeClr val="accent1"/>
+          </a:effectRef>
+          <a:fontRef idx="minor">
+            <a:schemeClr val="tx1"/>
+          </a:fontRef>
+        </p:style>
+      </p:cxnSp>
     </p:spTree>
     <p:extLst>
       <p:ext uri="{BB962C8B-B14F-4D97-AF65-F5344CB8AC3E}">
